--- a/Jdk-13.pptx
+++ b/Jdk-13.pptx
@@ -13,10 +13,12 @@
     <p:sldId id="261" r:id="rId7"/>
     <p:sldId id="262" r:id="rId8"/>
     <p:sldId id="268" r:id="rId9"/>
-    <p:sldId id="263" r:id="rId10"/>
-    <p:sldId id="264" r:id="rId11"/>
-    <p:sldId id="265" r:id="rId12"/>
-    <p:sldId id="266" r:id="rId13"/>
+    <p:sldId id="269" r:id="rId10"/>
+    <p:sldId id="270" r:id="rId11"/>
+    <p:sldId id="263" r:id="rId12"/>
+    <p:sldId id="264" r:id="rId13"/>
+    <p:sldId id="265" r:id="rId14"/>
+    <p:sldId id="266" r:id="rId15"/>
   </p:sldIdLst>
   <p:sldSz cx="12192000" cy="6858000"/>
   <p:notesSz cx="6858000" cy="9144000"/>
@@ -4883,7 +4885,7 @@
           <p:cNvPr id="2" name="Title 1">
             <a:extLst>
               <a:ext uri="{FF2B5EF4-FFF2-40B4-BE49-F238E27FC236}">
-                <a16:creationId xmlns:a16="http://schemas.microsoft.com/office/drawing/2014/main" id="{4E6CE275-A835-4344-B09F-D8BE53915415}"/>
+                <a16:creationId xmlns:a16="http://schemas.microsoft.com/office/drawing/2014/main" id="{70CC94D8-8F28-4F35-B1CE-2361573BC82D}"/>
               </a:ext>
             </a:extLst>
           </p:cNvPr>
@@ -4901,7 +4903,7 @@
           <a:p>
             <a:r>
               <a:rPr lang="en-IN" dirty="0"/>
-              <a:t>AppCDS</a:t>
+              <a:t>Points to remember</a:t>
             </a:r>
           </a:p>
         </p:txBody>
@@ -4911,7 +4913,7 @@
           <p:cNvPr id="3" name="Content Placeholder 2">
             <a:extLst>
               <a:ext uri="{FF2B5EF4-FFF2-40B4-BE49-F238E27FC236}">
-                <a16:creationId xmlns:a16="http://schemas.microsoft.com/office/drawing/2014/main" id="{454A1754-B8B8-4EDA-8CC3-8B7250A02E9F}"/>
+                <a16:creationId xmlns:a16="http://schemas.microsoft.com/office/drawing/2014/main" id="{3393154C-32E3-4721-97ED-3877D3EEE50A}"/>
               </a:ext>
             </a:extLst>
           </p:cNvPr>
@@ -4928,29 +4930,704 @@
           <a:lstStyle/>
           <a:p>
             <a:r>
-              <a:rPr lang="en-US" dirty="0"/>
-              <a:t>Application class-data sharing which enables dynamic archiving of classes at the end of application execution.</a:t>
-            </a:r>
-          </a:p>
-          <a:p>
-            <a:r>
-              <a:rPr lang="en-US" dirty="0"/>
-              <a:t>The archived classes would include all loaded application and library classes not present in the default, base-layer CDS archive.</a:t>
-            </a:r>
-            <a:endParaRPr lang="en-IN" dirty="0"/>
+              <a:rPr lang="en-IN" dirty="0"/>
+              <a:t>Java12 -- </a:t>
+            </a:r>
+            <a:r>
+              <a:rPr lang="en-IN" sz="2000" b="1" dirty="0">
+                <a:solidFill>
+                  <a:srgbClr val="00B050"/>
+                </a:solidFill>
+              </a:rPr>
+              <a:t>break</a:t>
+            </a:r>
+            <a:r>
+              <a:rPr lang="en-IN" dirty="0"/>
+              <a:t> to return values</a:t>
+            </a:r>
+          </a:p>
+          <a:p>
+            <a:r>
+              <a:rPr lang="en-IN" dirty="0"/>
+              <a:t>Java 13 -- </a:t>
+            </a:r>
+            <a:r>
+              <a:rPr lang="en-IN" sz="2000" b="1" dirty="0">
+                <a:solidFill>
+                  <a:srgbClr val="00B050"/>
+                </a:solidFill>
+              </a:rPr>
+              <a:t>yield</a:t>
+            </a:r>
+            <a:r>
+              <a:rPr lang="en-IN" dirty="0"/>
+              <a:t> to return values</a:t>
+            </a:r>
+          </a:p>
+          <a:p>
+            <a:r>
+              <a:rPr lang="en-IN" dirty="0"/>
+              <a:t>New syntax : </a:t>
+            </a:r>
+            <a:r>
+              <a:rPr lang="en-IN" dirty="0">
+                <a:latin typeface="Arial Black" panose="020B0A04020102020204" pitchFamily="34" charset="0"/>
+              </a:rPr>
+              <a:t>“-&gt;” </a:t>
+            </a:r>
+            <a:r>
+              <a:rPr lang="en-IN" dirty="0"/>
+              <a:t>This is without fall-through</a:t>
+            </a:r>
+          </a:p>
+          <a:p>
+            <a:r>
+              <a:rPr lang="en-IN" dirty="0"/>
+              <a:t>Case and </a:t>
+            </a:r>
+            <a:r>
+              <a:rPr lang="en-IN" dirty="0">
+                <a:latin typeface="Arial Black" panose="020B0A04020102020204" pitchFamily="34" charset="0"/>
+              </a:rPr>
+              <a:t>“-&gt;” </a:t>
+            </a:r>
+            <a:r>
+              <a:rPr lang="en-IN" dirty="0"/>
+              <a:t>can’t be combined</a:t>
+            </a:r>
+          </a:p>
+          <a:p>
+            <a:r>
+              <a:rPr lang="en-IN" dirty="0">
+                <a:latin typeface="Arial Black" panose="020B0A04020102020204" pitchFamily="34" charset="0"/>
+              </a:rPr>
+              <a:t>“-&gt;” </a:t>
+            </a:r>
+            <a:r>
+              <a:rPr lang="en-IN" dirty="0"/>
+              <a:t>can be used with switch expression as well as switch statement</a:t>
+            </a:r>
           </a:p>
         </p:txBody>
       </p:sp>
     </p:spTree>
     <p:extLst>
       <p:ext uri="{BB962C8B-B14F-4D97-AF65-F5344CB8AC3E}">
-        <p14:creationId xmlns:p14="http://schemas.microsoft.com/office/powerpoint/2010/main" val="539674426"/>
+        <p14:creationId xmlns:p14="http://schemas.microsoft.com/office/powerpoint/2010/main" val="2698483505"/>
       </p:ext>
     </p:extLst>
   </p:cSld>
   <p:clrMapOvr>
     <a:masterClrMapping/>
   </p:clrMapOvr>
+  <p:timing>
+    <p:tnLst>
+      <p:par>
+        <p:cTn id="1" dur="indefinite" restart="never" nodeType="tmRoot">
+          <p:childTnLst>
+            <p:seq concurrent="1" nextAc="seek">
+              <p:cTn id="2" dur="indefinite" nodeType="mainSeq">
+                <p:childTnLst>
+                  <p:par>
+                    <p:cTn id="3" fill="hold">
+                      <p:stCondLst>
+                        <p:cond delay="indefinite"/>
+                      </p:stCondLst>
+                      <p:childTnLst>
+                        <p:par>
+                          <p:cTn id="4" fill="hold">
+                            <p:stCondLst>
+                              <p:cond delay="0"/>
+                            </p:stCondLst>
+                            <p:childTnLst>
+                              <p:par>
+                                <p:cTn id="5" presetID="42" presetClass="entr" presetSubtype="0" fill="hold" grpId="0" nodeType="clickEffect">
+                                  <p:stCondLst>
+                                    <p:cond delay="0"/>
+                                  </p:stCondLst>
+                                  <p:childTnLst>
+                                    <p:set>
+                                      <p:cBhvr>
+                                        <p:cTn id="6" dur="1" fill="hold">
+                                          <p:stCondLst>
+                                            <p:cond delay="0"/>
+                                          </p:stCondLst>
+                                        </p:cTn>
+                                        <p:tgtEl>
+                                          <p:spTgt spid="3">
+                                            <p:txEl>
+                                              <p:pRg st="0" end="0"/>
+                                            </p:txEl>
+                                          </p:spTgt>
+                                        </p:tgtEl>
+                                        <p:attrNameLst>
+                                          <p:attrName>style.visibility</p:attrName>
+                                        </p:attrNameLst>
+                                      </p:cBhvr>
+                                      <p:to>
+                                        <p:strVal val="visible"/>
+                                      </p:to>
+                                    </p:set>
+                                    <p:animEffect transition="in" filter="fade">
+                                      <p:cBhvr>
+                                        <p:cTn id="7" dur="1000"/>
+                                        <p:tgtEl>
+                                          <p:spTgt spid="3">
+                                            <p:txEl>
+                                              <p:pRg st="0" end="0"/>
+                                            </p:txEl>
+                                          </p:spTgt>
+                                        </p:tgtEl>
+                                      </p:cBhvr>
+                                    </p:animEffect>
+                                    <p:anim calcmode="lin" valueType="num">
+                                      <p:cBhvr>
+                                        <p:cTn id="8" dur="1000" fill="hold"/>
+                                        <p:tgtEl>
+                                          <p:spTgt spid="3">
+                                            <p:txEl>
+                                              <p:pRg st="0" end="0"/>
+                                            </p:txEl>
+                                          </p:spTgt>
+                                        </p:tgtEl>
+                                        <p:attrNameLst>
+                                          <p:attrName>ppt_x</p:attrName>
+                                        </p:attrNameLst>
+                                      </p:cBhvr>
+                                      <p:tavLst>
+                                        <p:tav tm="0">
+                                          <p:val>
+                                            <p:strVal val="#ppt_x"/>
+                                          </p:val>
+                                        </p:tav>
+                                        <p:tav tm="100000">
+                                          <p:val>
+                                            <p:strVal val="#ppt_x"/>
+                                          </p:val>
+                                        </p:tav>
+                                      </p:tavLst>
+                                    </p:anim>
+                                    <p:anim calcmode="lin" valueType="num">
+                                      <p:cBhvr>
+                                        <p:cTn id="9" dur="1000" fill="hold"/>
+                                        <p:tgtEl>
+                                          <p:spTgt spid="3">
+                                            <p:txEl>
+                                              <p:pRg st="0" end="0"/>
+                                            </p:txEl>
+                                          </p:spTgt>
+                                        </p:tgtEl>
+                                        <p:attrNameLst>
+                                          <p:attrName>ppt_y</p:attrName>
+                                        </p:attrNameLst>
+                                      </p:cBhvr>
+                                      <p:tavLst>
+                                        <p:tav tm="0">
+                                          <p:val>
+                                            <p:strVal val="#ppt_y+.1"/>
+                                          </p:val>
+                                        </p:tav>
+                                        <p:tav tm="100000">
+                                          <p:val>
+                                            <p:strVal val="#ppt_y"/>
+                                          </p:val>
+                                        </p:tav>
+                                      </p:tavLst>
+                                    </p:anim>
+                                  </p:childTnLst>
+                                </p:cTn>
+                              </p:par>
+                            </p:childTnLst>
+                          </p:cTn>
+                        </p:par>
+                      </p:childTnLst>
+                    </p:cTn>
+                  </p:par>
+                  <p:par>
+                    <p:cTn id="10" fill="hold">
+                      <p:stCondLst>
+                        <p:cond delay="indefinite"/>
+                      </p:stCondLst>
+                      <p:childTnLst>
+                        <p:par>
+                          <p:cTn id="11" fill="hold">
+                            <p:stCondLst>
+                              <p:cond delay="0"/>
+                            </p:stCondLst>
+                            <p:childTnLst>
+                              <p:par>
+                                <p:cTn id="12" presetID="42" presetClass="entr" presetSubtype="0" fill="hold" grpId="0" nodeType="clickEffect">
+                                  <p:stCondLst>
+                                    <p:cond delay="0"/>
+                                  </p:stCondLst>
+                                  <p:childTnLst>
+                                    <p:set>
+                                      <p:cBhvr>
+                                        <p:cTn id="13" dur="1" fill="hold">
+                                          <p:stCondLst>
+                                            <p:cond delay="0"/>
+                                          </p:stCondLst>
+                                        </p:cTn>
+                                        <p:tgtEl>
+                                          <p:spTgt spid="3">
+                                            <p:txEl>
+                                              <p:pRg st="1" end="1"/>
+                                            </p:txEl>
+                                          </p:spTgt>
+                                        </p:tgtEl>
+                                        <p:attrNameLst>
+                                          <p:attrName>style.visibility</p:attrName>
+                                        </p:attrNameLst>
+                                      </p:cBhvr>
+                                      <p:to>
+                                        <p:strVal val="visible"/>
+                                      </p:to>
+                                    </p:set>
+                                    <p:animEffect transition="in" filter="fade">
+                                      <p:cBhvr>
+                                        <p:cTn id="14" dur="1000"/>
+                                        <p:tgtEl>
+                                          <p:spTgt spid="3">
+                                            <p:txEl>
+                                              <p:pRg st="1" end="1"/>
+                                            </p:txEl>
+                                          </p:spTgt>
+                                        </p:tgtEl>
+                                      </p:cBhvr>
+                                    </p:animEffect>
+                                    <p:anim calcmode="lin" valueType="num">
+                                      <p:cBhvr>
+                                        <p:cTn id="15" dur="1000" fill="hold"/>
+                                        <p:tgtEl>
+                                          <p:spTgt spid="3">
+                                            <p:txEl>
+                                              <p:pRg st="1" end="1"/>
+                                            </p:txEl>
+                                          </p:spTgt>
+                                        </p:tgtEl>
+                                        <p:attrNameLst>
+                                          <p:attrName>ppt_x</p:attrName>
+                                        </p:attrNameLst>
+                                      </p:cBhvr>
+                                      <p:tavLst>
+                                        <p:tav tm="0">
+                                          <p:val>
+                                            <p:strVal val="#ppt_x"/>
+                                          </p:val>
+                                        </p:tav>
+                                        <p:tav tm="100000">
+                                          <p:val>
+                                            <p:strVal val="#ppt_x"/>
+                                          </p:val>
+                                        </p:tav>
+                                      </p:tavLst>
+                                    </p:anim>
+                                    <p:anim calcmode="lin" valueType="num">
+                                      <p:cBhvr>
+                                        <p:cTn id="16" dur="1000" fill="hold"/>
+                                        <p:tgtEl>
+                                          <p:spTgt spid="3">
+                                            <p:txEl>
+                                              <p:pRg st="1" end="1"/>
+                                            </p:txEl>
+                                          </p:spTgt>
+                                        </p:tgtEl>
+                                        <p:attrNameLst>
+                                          <p:attrName>ppt_y</p:attrName>
+                                        </p:attrNameLst>
+                                      </p:cBhvr>
+                                      <p:tavLst>
+                                        <p:tav tm="0">
+                                          <p:val>
+                                            <p:strVal val="#ppt_y+.1"/>
+                                          </p:val>
+                                        </p:tav>
+                                        <p:tav tm="100000">
+                                          <p:val>
+                                            <p:strVal val="#ppt_y"/>
+                                          </p:val>
+                                        </p:tav>
+                                      </p:tavLst>
+                                    </p:anim>
+                                  </p:childTnLst>
+                                </p:cTn>
+                              </p:par>
+                            </p:childTnLst>
+                          </p:cTn>
+                        </p:par>
+                      </p:childTnLst>
+                    </p:cTn>
+                  </p:par>
+                  <p:par>
+                    <p:cTn id="17" fill="hold">
+                      <p:stCondLst>
+                        <p:cond delay="indefinite"/>
+                      </p:stCondLst>
+                      <p:childTnLst>
+                        <p:par>
+                          <p:cTn id="18" fill="hold">
+                            <p:stCondLst>
+                              <p:cond delay="0"/>
+                            </p:stCondLst>
+                            <p:childTnLst>
+                              <p:par>
+                                <p:cTn id="19" presetID="42" presetClass="entr" presetSubtype="0" fill="hold" grpId="0" nodeType="clickEffect">
+                                  <p:stCondLst>
+                                    <p:cond delay="0"/>
+                                  </p:stCondLst>
+                                  <p:childTnLst>
+                                    <p:set>
+                                      <p:cBhvr>
+                                        <p:cTn id="20" dur="1" fill="hold">
+                                          <p:stCondLst>
+                                            <p:cond delay="0"/>
+                                          </p:stCondLst>
+                                        </p:cTn>
+                                        <p:tgtEl>
+                                          <p:spTgt spid="3">
+                                            <p:txEl>
+                                              <p:pRg st="2" end="2"/>
+                                            </p:txEl>
+                                          </p:spTgt>
+                                        </p:tgtEl>
+                                        <p:attrNameLst>
+                                          <p:attrName>style.visibility</p:attrName>
+                                        </p:attrNameLst>
+                                      </p:cBhvr>
+                                      <p:to>
+                                        <p:strVal val="visible"/>
+                                      </p:to>
+                                    </p:set>
+                                    <p:animEffect transition="in" filter="fade">
+                                      <p:cBhvr>
+                                        <p:cTn id="21" dur="1000"/>
+                                        <p:tgtEl>
+                                          <p:spTgt spid="3">
+                                            <p:txEl>
+                                              <p:pRg st="2" end="2"/>
+                                            </p:txEl>
+                                          </p:spTgt>
+                                        </p:tgtEl>
+                                      </p:cBhvr>
+                                    </p:animEffect>
+                                    <p:anim calcmode="lin" valueType="num">
+                                      <p:cBhvr>
+                                        <p:cTn id="22" dur="1000" fill="hold"/>
+                                        <p:tgtEl>
+                                          <p:spTgt spid="3">
+                                            <p:txEl>
+                                              <p:pRg st="2" end="2"/>
+                                            </p:txEl>
+                                          </p:spTgt>
+                                        </p:tgtEl>
+                                        <p:attrNameLst>
+                                          <p:attrName>ppt_x</p:attrName>
+                                        </p:attrNameLst>
+                                      </p:cBhvr>
+                                      <p:tavLst>
+                                        <p:tav tm="0">
+                                          <p:val>
+                                            <p:strVal val="#ppt_x"/>
+                                          </p:val>
+                                        </p:tav>
+                                        <p:tav tm="100000">
+                                          <p:val>
+                                            <p:strVal val="#ppt_x"/>
+                                          </p:val>
+                                        </p:tav>
+                                      </p:tavLst>
+                                    </p:anim>
+                                    <p:anim calcmode="lin" valueType="num">
+                                      <p:cBhvr>
+                                        <p:cTn id="23" dur="1000" fill="hold"/>
+                                        <p:tgtEl>
+                                          <p:spTgt spid="3">
+                                            <p:txEl>
+                                              <p:pRg st="2" end="2"/>
+                                            </p:txEl>
+                                          </p:spTgt>
+                                        </p:tgtEl>
+                                        <p:attrNameLst>
+                                          <p:attrName>ppt_y</p:attrName>
+                                        </p:attrNameLst>
+                                      </p:cBhvr>
+                                      <p:tavLst>
+                                        <p:tav tm="0">
+                                          <p:val>
+                                            <p:strVal val="#ppt_y+.1"/>
+                                          </p:val>
+                                        </p:tav>
+                                        <p:tav tm="100000">
+                                          <p:val>
+                                            <p:strVal val="#ppt_y"/>
+                                          </p:val>
+                                        </p:tav>
+                                      </p:tavLst>
+                                    </p:anim>
+                                  </p:childTnLst>
+                                </p:cTn>
+                              </p:par>
+                            </p:childTnLst>
+                          </p:cTn>
+                        </p:par>
+                      </p:childTnLst>
+                    </p:cTn>
+                  </p:par>
+                  <p:par>
+                    <p:cTn id="24" fill="hold">
+                      <p:stCondLst>
+                        <p:cond delay="indefinite"/>
+                      </p:stCondLst>
+                      <p:childTnLst>
+                        <p:par>
+                          <p:cTn id="25" fill="hold">
+                            <p:stCondLst>
+                              <p:cond delay="0"/>
+                            </p:stCondLst>
+                            <p:childTnLst>
+                              <p:par>
+                                <p:cTn id="26" presetID="42" presetClass="entr" presetSubtype="0" fill="hold" grpId="0" nodeType="clickEffect">
+                                  <p:stCondLst>
+                                    <p:cond delay="0"/>
+                                  </p:stCondLst>
+                                  <p:childTnLst>
+                                    <p:set>
+                                      <p:cBhvr>
+                                        <p:cTn id="27" dur="1" fill="hold">
+                                          <p:stCondLst>
+                                            <p:cond delay="0"/>
+                                          </p:stCondLst>
+                                        </p:cTn>
+                                        <p:tgtEl>
+                                          <p:spTgt spid="3">
+                                            <p:txEl>
+                                              <p:pRg st="3" end="3"/>
+                                            </p:txEl>
+                                          </p:spTgt>
+                                        </p:tgtEl>
+                                        <p:attrNameLst>
+                                          <p:attrName>style.visibility</p:attrName>
+                                        </p:attrNameLst>
+                                      </p:cBhvr>
+                                      <p:to>
+                                        <p:strVal val="visible"/>
+                                      </p:to>
+                                    </p:set>
+                                    <p:animEffect transition="in" filter="fade">
+                                      <p:cBhvr>
+                                        <p:cTn id="28" dur="1000"/>
+                                        <p:tgtEl>
+                                          <p:spTgt spid="3">
+                                            <p:txEl>
+                                              <p:pRg st="3" end="3"/>
+                                            </p:txEl>
+                                          </p:spTgt>
+                                        </p:tgtEl>
+                                      </p:cBhvr>
+                                    </p:animEffect>
+                                    <p:anim calcmode="lin" valueType="num">
+                                      <p:cBhvr>
+                                        <p:cTn id="29" dur="1000" fill="hold"/>
+                                        <p:tgtEl>
+                                          <p:spTgt spid="3">
+                                            <p:txEl>
+                                              <p:pRg st="3" end="3"/>
+                                            </p:txEl>
+                                          </p:spTgt>
+                                        </p:tgtEl>
+                                        <p:attrNameLst>
+                                          <p:attrName>ppt_x</p:attrName>
+                                        </p:attrNameLst>
+                                      </p:cBhvr>
+                                      <p:tavLst>
+                                        <p:tav tm="0">
+                                          <p:val>
+                                            <p:strVal val="#ppt_x"/>
+                                          </p:val>
+                                        </p:tav>
+                                        <p:tav tm="100000">
+                                          <p:val>
+                                            <p:strVal val="#ppt_x"/>
+                                          </p:val>
+                                        </p:tav>
+                                      </p:tavLst>
+                                    </p:anim>
+                                    <p:anim calcmode="lin" valueType="num">
+                                      <p:cBhvr>
+                                        <p:cTn id="30" dur="1000" fill="hold"/>
+                                        <p:tgtEl>
+                                          <p:spTgt spid="3">
+                                            <p:txEl>
+                                              <p:pRg st="3" end="3"/>
+                                            </p:txEl>
+                                          </p:spTgt>
+                                        </p:tgtEl>
+                                        <p:attrNameLst>
+                                          <p:attrName>ppt_y</p:attrName>
+                                        </p:attrNameLst>
+                                      </p:cBhvr>
+                                      <p:tavLst>
+                                        <p:tav tm="0">
+                                          <p:val>
+                                            <p:strVal val="#ppt_y+.1"/>
+                                          </p:val>
+                                        </p:tav>
+                                        <p:tav tm="100000">
+                                          <p:val>
+                                            <p:strVal val="#ppt_y"/>
+                                          </p:val>
+                                        </p:tav>
+                                      </p:tavLst>
+                                    </p:anim>
+                                  </p:childTnLst>
+                                </p:cTn>
+                              </p:par>
+                            </p:childTnLst>
+                          </p:cTn>
+                        </p:par>
+                      </p:childTnLst>
+                    </p:cTn>
+                  </p:par>
+                  <p:par>
+                    <p:cTn id="31" fill="hold">
+                      <p:stCondLst>
+                        <p:cond delay="indefinite"/>
+                      </p:stCondLst>
+                      <p:childTnLst>
+                        <p:par>
+                          <p:cTn id="32" fill="hold">
+                            <p:stCondLst>
+                              <p:cond delay="0"/>
+                            </p:stCondLst>
+                            <p:childTnLst>
+                              <p:par>
+                                <p:cTn id="33" presetID="42" presetClass="entr" presetSubtype="0" fill="hold" grpId="0" nodeType="clickEffect">
+                                  <p:stCondLst>
+                                    <p:cond delay="0"/>
+                                  </p:stCondLst>
+                                  <p:childTnLst>
+                                    <p:set>
+                                      <p:cBhvr>
+                                        <p:cTn id="34" dur="1" fill="hold">
+                                          <p:stCondLst>
+                                            <p:cond delay="0"/>
+                                          </p:stCondLst>
+                                        </p:cTn>
+                                        <p:tgtEl>
+                                          <p:spTgt spid="3">
+                                            <p:txEl>
+                                              <p:pRg st="4" end="4"/>
+                                            </p:txEl>
+                                          </p:spTgt>
+                                        </p:tgtEl>
+                                        <p:attrNameLst>
+                                          <p:attrName>style.visibility</p:attrName>
+                                        </p:attrNameLst>
+                                      </p:cBhvr>
+                                      <p:to>
+                                        <p:strVal val="visible"/>
+                                      </p:to>
+                                    </p:set>
+                                    <p:animEffect transition="in" filter="fade">
+                                      <p:cBhvr>
+                                        <p:cTn id="35" dur="1000"/>
+                                        <p:tgtEl>
+                                          <p:spTgt spid="3">
+                                            <p:txEl>
+                                              <p:pRg st="4" end="4"/>
+                                            </p:txEl>
+                                          </p:spTgt>
+                                        </p:tgtEl>
+                                      </p:cBhvr>
+                                    </p:animEffect>
+                                    <p:anim calcmode="lin" valueType="num">
+                                      <p:cBhvr>
+                                        <p:cTn id="36" dur="1000" fill="hold"/>
+                                        <p:tgtEl>
+                                          <p:spTgt spid="3">
+                                            <p:txEl>
+                                              <p:pRg st="4" end="4"/>
+                                            </p:txEl>
+                                          </p:spTgt>
+                                        </p:tgtEl>
+                                        <p:attrNameLst>
+                                          <p:attrName>ppt_x</p:attrName>
+                                        </p:attrNameLst>
+                                      </p:cBhvr>
+                                      <p:tavLst>
+                                        <p:tav tm="0">
+                                          <p:val>
+                                            <p:strVal val="#ppt_x"/>
+                                          </p:val>
+                                        </p:tav>
+                                        <p:tav tm="100000">
+                                          <p:val>
+                                            <p:strVal val="#ppt_x"/>
+                                          </p:val>
+                                        </p:tav>
+                                      </p:tavLst>
+                                    </p:anim>
+                                    <p:anim calcmode="lin" valueType="num">
+                                      <p:cBhvr>
+                                        <p:cTn id="37" dur="1000" fill="hold"/>
+                                        <p:tgtEl>
+                                          <p:spTgt spid="3">
+                                            <p:txEl>
+                                              <p:pRg st="4" end="4"/>
+                                            </p:txEl>
+                                          </p:spTgt>
+                                        </p:tgtEl>
+                                        <p:attrNameLst>
+                                          <p:attrName>ppt_y</p:attrName>
+                                        </p:attrNameLst>
+                                      </p:cBhvr>
+                                      <p:tavLst>
+                                        <p:tav tm="0">
+                                          <p:val>
+                                            <p:strVal val="#ppt_y+.1"/>
+                                          </p:val>
+                                        </p:tav>
+                                        <p:tav tm="100000">
+                                          <p:val>
+                                            <p:strVal val="#ppt_y"/>
+                                          </p:val>
+                                        </p:tav>
+                                      </p:tavLst>
+                                    </p:anim>
+                                  </p:childTnLst>
+                                </p:cTn>
+                              </p:par>
+                            </p:childTnLst>
+                          </p:cTn>
+                        </p:par>
+                      </p:childTnLst>
+                    </p:cTn>
+                  </p:par>
+                </p:childTnLst>
+              </p:cTn>
+              <p:prevCondLst>
+                <p:cond evt="onPrev" delay="0">
+                  <p:tgtEl>
+                    <p:sldTgt/>
+                  </p:tgtEl>
+                </p:cond>
+              </p:prevCondLst>
+              <p:nextCondLst>
+                <p:cond evt="onNext" delay="0">
+                  <p:tgtEl>
+                    <p:sldTgt/>
+                  </p:tgtEl>
+                </p:cond>
+              </p:nextCondLst>
+            </p:seq>
+          </p:childTnLst>
+        </p:cTn>
+      </p:par>
+    </p:tnLst>
+    <p:bldLst>
+      <p:bldP spid="3" grpId="0" build="p"/>
+    </p:bldLst>
+  </p:timing>
 </p:sld>
 </file>
 
@@ -4976,6 +5653,198 @@
           <p:cNvPr id="2" name="Title 1">
             <a:extLst>
               <a:ext uri="{FF2B5EF4-FFF2-40B4-BE49-F238E27FC236}">
+                <a16:creationId xmlns:a16="http://schemas.microsoft.com/office/drawing/2014/main" id="{C2DBCEC6-88DC-42AF-BE42-9F757B43C7B2}"/>
+              </a:ext>
+            </a:extLst>
+          </p:cNvPr>
+          <p:cNvSpPr>
+            <a:spLocks noGrp="1"/>
+          </p:cNvSpPr>
+          <p:nvPr>
+            <p:ph type="title"/>
+          </p:nvPr>
+        </p:nvSpPr>
+        <p:spPr/>
+        <p:txBody>
+          <a:bodyPr/>
+          <a:lstStyle/>
+          <a:p>
+            <a:r>
+              <a:rPr lang="en-US" dirty="0"/>
+              <a:t>Z Garbage Collector (ZGC)</a:t>
+            </a:r>
+            <a:endParaRPr lang="en-IN" dirty="0"/>
+          </a:p>
+        </p:txBody>
+      </p:sp>
+      <p:sp>
+        <p:nvSpPr>
+          <p:cNvPr id="3" name="Content Placeholder 2">
+            <a:extLst>
+              <a:ext uri="{FF2B5EF4-FFF2-40B4-BE49-F238E27FC236}">
+                <a16:creationId xmlns:a16="http://schemas.microsoft.com/office/drawing/2014/main" id="{40D8D670-AD38-4B6A-B421-B9E543A8278E}"/>
+              </a:ext>
+            </a:extLst>
+          </p:cNvPr>
+          <p:cNvSpPr>
+            <a:spLocks noGrp="1"/>
+          </p:cNvSpPr>
+          <p:nvPr>
+            <p:ph idx="1"/>
+          </p:nvPr>
+        </p:nvSpPr>
+        <p:spPr/>
+        <p:txBody>
+          <a:bodyPr/>
+          <a:lstStyle/>
+          <a:p>
+            <a:r>
+              <a:rPr lang="en-US" dirty="0"/>
+              <a:t>It’s supposed to return unused memory to the OS</a:t>
+            </a:r>
+          </a:p>
+          <a:p>
+            <a:r>
+              <a:rPr lang="en-US" dirty="0"/>
+              <a:t>But currently it’s not returning the unused memory to OS even if the memory has not been used in a long time.</a:t>
+            </a:r>
+          </a:p>
+          <a:p>
+            <a:r>
+              <a:rPr lang="en-US" dirty="0"/>
+              <a:t>It’s problematic for applications which needs more memory. </a:t>
+            </a:r>
+          </a:p>
+        </p:txBody>
+      </p:sp>
+    </p:spTree>
+    <p:extLst>
+      <p:ext uri="{BB962C8B-B14F-4D97-AF65-F5344CB8AC3E}">
+        <p14:creationId xmlns:p14="http://schemas.microsoft.com/office/powerpoint/2010/main" val="441437963"/>
+      </p:ext>
+    </p:extLst>
+  </p:cSld>
+  <p:clrMapOvr>
+    <a:masterClrMapping/>
+  </p:clrMapOvr>
+</p:sld>
+</file>
+
+<file path=ppt/slides/slide12.xml><?xml version="1.0" encoding="utf-8"?>
+<p:sld xmlns:a="http://schemas.openxmlformats.org/drawingml/2006/main" xmlns:r="http://schemas.openxmlformats.org/officeDocument/2006/relationships" xmlns:p="http://schemas.openxmlformats.org/presentationml/2006/main">
+  <p:cSld>
+    <p:spTree>
+      <p:nvGrpSpPr>
+        <p:cNvPr id="1" name=""/>
+        <p:cNvGrpSpPr/>
+        <p:nvPr/>
+      </p:nvGrpSpPr>
+      <p:grpSpPr>
+        <a:xfrm>
+          <a:off x="0" y="0"/>
+          <a:ext cx="0" cy="0"/>
+          <a:chOff x="0" y="0"/>
+          <a:chExt cx="0" cy="0"/>
+        </a:xfrm>
+      </p:grpSpPr>
+      <p:sp>
+        <p:nvSpPr>
+          <p:cNvPr id="2" name="Title 1">
+            <a:extLst>
+              <a:ext uri="{FF2B5EF4-FFF2-40B4-BE49-F238E27FC236}">
+                <a16:creationId xmlns:a16="http://schemas.microsoft.com/office/drawing/2014/main" id="{4E6CE275-A835-4344-B09F-D8BE53915415}"/>
+              </a:ext>
+            </a:extLst>
+          </p:cNvPr>
+          <p:cNvSpPr>
+            <a:spLocks noGrp="1"/>
+          </p:cNvSpPr>
+          <p:nvPr>
+            <p:ph type="title"/>
+          </p:nvPr>
+        </p:nvSpPr>
+        <p:spPr/>
+        <p:txBody>
+          <a:bodyPr/>
+          <a:lstStyle/>
+          <a:p>
+            <a:r>
+              <a:rPr lang="en-IN" dirty="0"/>
+              <a:t>AppCDS</a:t>
+            </a:r>
+          </a:p>
+        </p:txBody>
+      </p:sp>
+      <p:sp>
+        <p:nvSpPr>
+          <p:cNvPr id="3" name="Content Placeholder 2">
+            <a:extLst>
+              <a:ext uri="{FF2B5EF4-FFF2-40B4-BE49-F238E27FC236}">
+                <a16:creationId xmlns:a16="http://schemas.microsoft.com/office/drawing/2014/main" id="{454A1754-B8B8-4EDA-8CC3-8B7250A02E9F}"/>
+              </a:ext>
+            </a:extLst>
+          </p:cNvPr>
+          <p:cNvSpPr>
+            <a:spLocks noGrp="1"/>
+          </p:cNvSpPr>
+          <p:nvPr>
+            <p:ph idx="1"/>
+          </p:nvPr>
+        </p:nvSpPr>
+        <p:spPr/>
+        <p:txBody>
+          <a:bodyPr/>
+          <a:lstStyle/>
+          <a:p>
+            <a:r>
+              <a:rPr lang="en-US" dirty="0"/>
+              <a:t>Application class-data sharing which enables dynamic archiving of classes at the end of application execution.</a:t>
+            </a:r>
+          </a:p>
+          <a:p>
+            <a:r>
+              <a:rPr lang="en-US" dirty="0"/>
+              <a:t>The archived classes would include all loaded application and library classes not present in the default, base-layer CDS archive.</a:t>
+            </a:r>
+            <a:endParaRPr lang="en-IN" dirty="0"/>
+          </a:p>
+        </p:txBody>
+      </p:sp>
+    </p:spTree>
+    <p:extLst>
+      <p:ext uri="{BB962C8B-B14F-4D97-AF65-F5344CB8AC3E}">
+        <p14:creationId xmlns:p14="http://schemas.microsoft.com/office/powerpoint/2010/main" val="539674426"/>
+      </p:ext>
+    </p:extLst>
+  </p:cSld>
+  <p:clrMapOvr>
+    <a:masterClrMapping/>
+  </p:clrMapOvr>
+</p:sld>
+</file>
+
+<file path=ppt/slides/slide13.xml><?xml version="1.0" encoding="utf-8"?>
+<p:sld xmlns:a="http://schemas.openxmlformats.org/drawingml/2006/main" xmlns:r="http://schemas.openxmlformats.org/officeDocument/2006/relationships" xmlns:p="http://schemas.openxmlformats.org/presentationml/2006/main">
+  <p:cSld>
+    <p:spTree>
+      <p:nvGrpSpPr>
+        <p:cNvPr id="1" name=""/>
+        <p:cNvGrpSpPr/>
+        <p:nvPr/>
+      </p:nvGrpSpPr>
+      <p:grpSpPr>
+        <a:xfrm>
+          <a:off x="0" y="0"/>
+          <a:ext cx="0" cy="0"/>
+          <a:chOff x="0" y="0"/>
+          <a:chExt cx="0" cy="0"/>
+        </a:xfrm>
+      </p:grpSpPr>
+      <p:sp>
+        <p:nvSpPr>
+          <p:cNvPr id="2" name="Title 1">
+            <a:extLst>
+              <a:ext uri="{FF2B5EF4-FFF2-40B4-BE49-F238E27FC236}">
                 <a16:creationId xmlns:a16="http://schemas.microsoft.com/office/drawing/2014/main" id="{168AD9B5-4C77-4548-B068-251414F78763}"/>
               </a:ext>
             </a:extLst>
@@ -5038,7 +5907,7 @@
 </p:sld>
 </file>
 
-<file path=ppt/slides/slide12.xml><?xml version="1.0" encoding="utf-8"?>
+<file path=ppt/slides/slide14.xml><?xml version="1.0" encoding="utf-8"?>
 <p:sld xmlns:a="http://schemas.openxmlformats.org/drawingml/2006/main" xmlns:r="http://schemas.openxmlformats.org/officeDocument/2006/relationships" xmlns:p="http://schemas.openxmlformats.org/presentationml/2006/main">
   <p:cSld>
     <p:spTree>
@@ -6678,12 +7547,87 @@
           <a:chExt cx="0" cy="0"/>
         </a:xfrm>
       </p:grpSpPr>
+      <p:pic>
+        <p:nvPicPr>
+          <p:cNvPr id="12" name="Picture 3">
+            <a:extLst>
+              <a:ext uri="{FF2B5EF4-FFF2-40B4-BE49-F238E27FC236}">
+                <a16:creationId xmlns:a16="http://schemas.microsoft.com/office/drawing/2014/main" id="{9AF3BDB7-672B-4684-9458-B152CA6715AC}"/>
+              </a:ext>
+            </a:extLst>
+          </p:cNvPr>
+          <p:cNvPicPr>
+            <a:picLocks noChangeAspect="1"/>
+          </p:cNvPicPr>
+          <p:nvPr/>
+        </p:nvPicPr>
+        <p:blipFill rotWithShape="1">
+          <a:blip r:embed="rId2"/>
+          <a:srcRect t="44494" b="10506"/>
+          <a:stretch/>
+        </p:blipFill>
+        <p:spPr>
+          <a:xfrm>
+            <a:off x="20" y="-839"/>
+            <a:ext cx="12191980" cy="6858000"/>
+          </a:xfrm>
+          <a:prstGeom prst="rect">
+            <a:avLst/>
+          </a:prstGeom>
+        </p:spPr>
+      </p:pic>
+      <p:sp>
+        <p:nvSpPr>
+          <p:cNvPr id="4" name="Rectangle 3">
+            <a:extLst>
+              <a:ext uri="{FF2B5EF4-FFF2-40B4-BE49-F238E27FC236}">
+                <a16:creationId xmlns:a16="http://schemas.microsoft.com/office/drawing/2014/main" id="{00C37E2D-A4AE-4E2F-BF54-E3CECA878DC7}"/>
+              </a:ext>
+            </a:extLst>
+          </p:cNvPr>
+          <p:cNvSpPr/>
+          <p:nvPr/>
+        </p:nvSpPr>
+        <p:spPr>
+          <a:xfrm>
+            <a:off x="1181100" y="552450"/>
+            <a:ext cx="10096500" cy="5657850"/>
+          </a:xfrm>
+          <a:prstGeom prst="rect">
+            <a:avLst/>
+          </a:prstGeom>
+        </p:spPr>
+        <p:style>
+          <a:lnRef idx="2">
+            <a:schemeClr val="accent1">
+              <a:shade val="50000"/>
+            </a:schemeClr>
+          </a:lnRef>
+          <a:fillRef idx="1">
+            <a:schemeClr val="accent1"/>
+          </a:fillRef>
+          <a:effectRef idx="0">
+            <a:schemeClr val="accent1"/>
+          </a:effectRef>
+          <a:fontRef idx="minor">
+            <a:schemeClr val="lt1"/>
+          </a:fontRef>
+        </p:style>
+        <p:txBody>
+          <a:bodyPr rtlCol="0" anchor="ctr"/>
+          <a:lstStyle/>
+          <a:p>
+            <a:pPr algn="ctr"/>
+            <a:endParaRPr lang="en-IN" dirty="0"/>
+          </a:p>
+        </p:txBody>
+      </p:sp>
       <p:sp>
         <p:nvSpPr>
           <p:cNvPr id="2" name="Title 1">
             <a:extLst>
               <a:ext uri="{FF2B5EF4-FFF2-40B4-BE49-F238E27FC236}">
-                <a16:creationId xmlns:a16="http://schemas.microsoft.com/office/drawing/2014/main" id="{C2DBCEC6-88DC-42AF-BE42-9F757B43C7B2}"/>
+                <a16:creationId xmlns:a16="http://schemas.microsoft.com/office/drawing/2014/main" id="{FC8EE616-2EA4-4DA2-BDF2-AD0B93DE2F0B}"/>
               </a:ext>
             </a:extLst>
           </p:cNvPr>
@@ -6691,28 +7635,90 @@
             <a:spLocks noGrp="1"/>
           </p:cNvSpPr>
           <p:nvPr>
-            <p:ph type="title"/>
-          </p:nvPr>
-        </p:nvSpPr>
-        <p:spPr/>
-        <p:txBody>
-          <a:bodyPr/>
+            <p:ph type="ctrTitle"/>
+          </p:nvPr>
+        </p:nvSpPr>
+        <p:spPr>
+          <a:xfrm>
+            <a:off x="1847848" y="647700"/>
+            <a:ext cx="8763001" cy="5095875"/>
+          </a:xfrm>
+          <a:solidFill>
+            <a:schemeClr val="accent1">
+              <a:lumMod val="20000"/>
+              <a:lumOff val="80000"/>
+            </a:schemeClr>
+          </a:solidFill>
+        </p:spPr>
+        <p:txBody>
+          <a:bodyPr>
+            <a:normAutofit/>
+          </a:bodyPr>
           <a:lstStyle/>
           <a:p>
             <a:r>
-              <a:rPr lang="en-US" dirty="0"/>
-              <a:t>Z Garbage Collector (ZGC)</a:t>
-            </a:r>
-            <a:endParaRPr lang="en-IN" dirty="0"/>
-          </a:p>
-        </p:txBody>
-      </p:sp>
-      <p:sp>
-        <p:nvSpPr>
-          <p:cNvPr id="3" name="Content Placeholder 2">
+              <a:rPr lang="en-IN" sz="13800" dirty="0">
+                <a:solidFill>
+                  <a:srgbClr val="00B050"/>
+                </a:solidFill>
+                <a:latin typeface="Algerian" panose="04020705040A02060702" pitchFamily="82" charset="0"/>
+              </a:rPr>
+              <a:t>Jdk-13</a:t>
+            </a:r>
+            <a:br>
+              <a:rPr lang="en-IN" dirty="0">
+                <a:latin typeface="Algerian" panose="04020705040A02060702" pitchFamily="82" charset="0"/>
+              </a:rPr>
+            </a:br>
+            <a:r>
+              <a:rPr lang="en-IN" sz="7200" dirty="0">
+                <a:solidFill>
+                  <a:srgbClr val="0070C0"/>
+                </a:solidFill>
+                <a:latin typeface="Algerian" panose="04020705040A02060702" pitchFamily="82" charset="0"/>
+              </a:rPr>
+              <a:t>Switch expression</a:t>
+            </a:r>
+            <a:br>
+              <a:rPr lang="en-IN" sz="7300" dirty="0">
+                <a:solidFill>
+                  <a:srgbClr val="0070C0"/>
+                </a:solidFill>
+                <a:latin typeface="Algerian" panose="04020705040A02060702" pitchFamily="82" charset="0"/>
+              </a:rPr>
+            </a:br>
+            <a:r>
+              <a:rPr lang="en-IN" sz="3200" dirty="0">
+                <a:solidFill>
+                  <a:srgbClr val="FFC000"/>
+                </a:solidFill>
+                <a:latin typeface="Algerian" panose="04020705040A02060702" pitchFamily="82" charset="0"/>
+              </a:rPr>
+              <a:t>(preview)</a:t>
+            </a:r>
+            <a:endParaRPr lang="en-IN" sz="2800" dirty="0">
+              <a:solidFill>
+                <a:srgbClr val="FFC000"/>
+              </a:solidFill>
+              <a:latin typeface="Algerian" panose="04020705040A02060702" pitchFamily="82" charset="0"/>
+            </a:endParaRPr>
+          </a:p>
+          <a:p>
+            <a:endParaRPr lang="en-IN" sz="4400" dirty="0">
+              <a:solidFill>
+                <a:schemeClr val="tx1"/>
+              </a:solidFill>
+              <a:latin typeface="Algerian" panose="04020705040A02060702" pitchFamily="82" charset="0"/>
+            </a:endParaRPr>
+          </a:p>
+        </p:txBody>
+      </p:sp>
+      <p:sp>
+        <p:nvSpPr>
+          <p:cNvPr id="3" name="Subtitle 2">
             <a:extLst>
               <a:ext uri="{FF2B5EF4-FFF2-40B4-BE49-F238E27FC236}">
-                <a16:creationId xmlns:a16="http://schemas.microsoft.com/office/drawing/2014/main" id="{40D8D670-AD38-4B6A-B421-B9E543A8278E}"/>
+                <a16:creationId xmlns:a16="http://schemas.microsoft.com/office/drawing/2014/main" id="{B69867BB-42C1-4920-A8A5-379C0AFBC9FE}"/>
               </a:ext>
             </a:extLst>
           </p:cNvPr>
@@ -6720,29 +7726,97 @@
             <a:spLocks noGrp="1"/>
           </p:cNvSpPr>
           <p:nvPr>
-            <p:ph idx="1"/>
-          </p:nvPr>
-        </p:nvSpPr>
-        <p:spPr/>
-        <p:txBody>
-          <a:bodyPr/>
+            <p:ph type="subTitle" idx="1"/>
+          </p:nvPr>
+        </p:nvSpPr>
+        <p:spPr>
+          <a:xfrm>
+            <a:off x="4271962" y="5826374"/>
+            <a:ext cx="3724795" cy="383926"/>
+          </a:xfrm>
+          <a:solidFill>
+            <a:srgbClr val="00B050"/>
+          </a:solidFill>
+        </p:spPr>
+        <p:txBody>
+          <a:bodyPr>
+            <a:normAutofit/>
+          </a:bodyPr>
           <a:lstStyle/>
           <a:p>
             <a:r>
-              <a:rPr lang="en-US" dirty="0"/>
-              <a:t>It’s supposed to return unused memory to the OS</a:t>
-            </a:r>
-          </a:p>
-          <a:p>
-            <a:r>
-              <a:rPr lang="en-US" dirty="0"/>
-              <a:t>But currently it’s not returning the unused memory to OS even if the memory has not been used in a long time.</a:t>
-            </a:r>
-          </a:p>
-          <a:p>
-            <a:r>
-              <a:rPr lang="en-US" dirty="0"/>
-              <a:t>It’s problematic for applications which needs more memory. </a:t>
+              <a:rPr lang="en-IN" b="1" dirty="0"/>
+              <a:t>-- #</a:t>
+            </a:r>
+            <a:r>
+              <a:rPr lang="en-IN" b="1" dirty="0" err="1"/>
+              <a:t>greenlearner</a:t>
+            </a:r>
+            <a:r>
+              <a:rPr lang="en-IN" b="1" dirty="0"/>
+              <a:t> --</a:t>
+            </a:r>
+          </a:p>
+        </p:txBody>
+      </p:sp>
+      <p:sp>
+        <p:nvSpPr>
+          <p:cNvPr id="5" name="Wave 4">
+            <a:extLst>
+              <a:ext uri="{FF2B5EF4-FFF2-40B4-BE49-F238E27FC236}">
+                <a16:creationId xmlns:a16="http://schemas.microsoft.com/office/drawing/2014/main" id="{99A15CA1-ECF5-48C5-98A1-FE1625AAC8B1}"/>
+              </a:ext>
+            </a:extLst>
+          </p:cNvPr>
+          <p:cNvSpPr/>
+          <p:nvPr/>
+        </p:nvSpPr>
+        <p:spPr>
+          <a:xfrm>
+            <a:off x="0" y="-839"/>
+            <a:ext cx="723899" cy="381000"/>
+          </a:xfrm>
+          <a:prstGeom prst="wave">
+            <a:avLst/>
+          </a:prstGeom>
+          <a:solidFill>
+            <a:srgbClr val="FFFF00"/>
+          </a:solidFill>
+          <a:ln>
+            <a:solidFill>
+              <a:srgbClr val="00B050"/>
+            </a:solidFill>
+          </a:ln>
+        </p:spPr>
+        <p:style>
+          <a:lnRef idx="2">
+            <a:schemeClr val="accent1">
+              <a:shade val="50000"/>
+            </a:schemeClr>
+          </a:lnRef>
+          <a:fillRef idx="1">
+            <a:schemeClr val="accent1"/>
+          </a:fillRef>
+          <a:effectRef idx="0">
+            <a:schemeClr val="accent1"/>
+          </a:effectRef>
+          <a:fontRef idx="minor">
+            <a:schemeClr val="lt1"/>
+          </a:fontRef>
+        </p:style>
+        <p:txBody>
+          <a:bodyPr rtlCol="0" anchor="ctr"/>
+          <a:lstStyle/>
+          <a:p>
+            <a:pPr algn="ctr"/>
+            <a:r>
+              <a:rPr lang="en-IN" b="1" dirty="0">
+                <a:solidFill>
+                  <a:srgbClr val="00B050"/>
+                </a:solidFill>
+                <a:latin typeface="Bahnschrift Condensed" panose="020B0502040204020203" pitchFamily="34" charset="0"/>
+              </a:rPr>
+              <a:t>Arvind</a:t>
             </a:r>
           </a:p>
         </p:txBody>
@@ -6750,7 +7824,7 @@
     </p:spTree>
     <p:extLst>
       <p:ext uri="{BB962C8B-B14F-4D97-AF65-F5344CB8AC3E}">
-        <p14:creationId xmlns:p14="http://schemas.microsoft.com/office/powerpoint/2010/main" val="441437963"/>
+        <p14:creationId xmlns:p14="http://schemas.microsoft.com/office/powerpoint/2010/main" val="3216039745"/>
       </p:ext>
     </p:extLst>
   </p:cSld>

--- a/Jdk-13.pptx
+++ b/Jdk-13.pptx
@@ -15,10 +15,11 @@
     <p:sldId id="268" r:id="rId9"/>
     <p:sldId id="269" r:id="rId10"/>
     <p:sldId id="270" r:id="rId11"/>
-    <p:sldId id="263" r:id="rId12"/>
-    <p:sldId id="264" r:id="rId13"/>
-    <p:sldId id="265" r:id="rId14"/>
-    <p:sldId id="266" r:id="rId15"/>
+    <p:sldId id="272" r:id="rId12"/>
+    <p:sldId id="273" r:id="rId13"/>
+    <p:sldId id="264" r:id="rId14"/>
+    <p:sldId id="274" r:id="rId15"/>
+    <p:sldId id="271" r:id="rId16"/>
   </p:sldIdLst>
   <p:sldSz cx="12192000" cy="6858000"/>
   <p:notesSz cx="6858000" cy="9144000"/>
@@ -594,7 +595,7 @@
           <a:p>
             <a:fld id="{EA0C0817-A112-4847-8014-A94B7D2A4EA3}" type="datetime1">
               <a:rPr lang="en-US" smtClean="0"/>
-              <a:t>9/28/2019</a:t>
+              <a:t>10/4/2019</a:t>
             </a:fld>
             <a:endParaRPr lang="en-US" dirty="0"/>
           </a:p>
@@ -796,7 +797,7 @@
           <a:p>
             <a:fld id="{134F40B7-36AB-4376-BE14-EF7004D79BB9}" type="datetime1">
               <a:rPr lang="en-US" smtClean="0"/>
-              <a:t>9/28/2019</a:t>
+              <a:t>10/4/2019</a:t>
             </a:fld>
             <a:endParaRPr lang="en-US"/>
           </a:p>
@@ -976,7 +977,7 @@
           <a:p>
             <a:fld id="{FF87CAB8-DCAE-46A5-AADA-B3FAD11A54E0}" type="datetime1">
               <a:rPr lang="en-US" smtClean="0"/>
-              <a:t>9/28/2019</a:t>
+              <a:t>10/4/2019</a:t>
             </a:fld>
             <a:endParaRPr lang="en-US"/>
           </a:p>
@@ -1146,7 +1147,7 @@
           <a:p>
             <a:fld id="{7332B432-ACDA-4023-A761-2BAB76577B62}" type="datetime1">
               <a:rPr lang="en-US" smtClean="0"/>
-              <a:t>9/28/2019</a:t>
+              <a:t>10/4/2019</a:t>
             </a:fld>
             <a:endParaRPr lang="en-US"/>
           </a:p>
@@ -1745,7 +1746,7 @@
           <a:p>
             <a:fld id="{D9C646AA-F36E-4540-911D-FFFC0A0EF24A}" type="datetime1">
               <a:rPr lang="en-US" smtClean="0"/>
-              <a:t>9/28/2019</a:t>
+              <a:t>10/4/2019</a:t>
             </a:fld>
             <a:endParaRPr lang="en-US" dirty="0"/>
           </a:p>
@@ -2065,7 +2066,7 @@
           <a:p>
             <a:fld id="{69186D26-FA5F-4637-B602-B7C2DC34CFD4}" type="datetime1">
               <a:rPr lang="en-US" smtClean="0"/>
-              <a:t>9/28/2019</a:t>
+              <a:t>10/4/2019</a:t>
             </a:fld>
             <a:endParaRPr lang="en-US"/>
           </a:p>
@@ -2500,7 +2501,7 @@
           <a:p>
             <a:fld id="{8A7F15D8-96D1-4781-BC50-CA8A088B2FE4}" type="datetime1">
               <a:rPr lang="en-US" smtClean="0"/>
-              <a:t>9/28/2019</a:t>
+              <a:t>10/4/2019</a:t>
             </a:fld>
             <a:endParaRPr lang="en-US"/>
           </a:p>
@@ -2618,7 +2619,7 @@
           <a:p>
             <a:fld id="{F9A96C99-B8F8-4528-BD05-0E16E943DC09}" type="datetime1">
               <a:rPr lang="en-US" smtClean="0"/>
-              <a:t>9/28/2019</a:t>
+              <a:t>10/4/2019</a:t>
             </a:fld>
             <a:endParaRPr lang="en-US"/>
           </a:p>
@@ -2713,7 +2714,7 @@
           <a:p>
             <a:fld id="{03636942-C211-4B28-8DBD-C953E00AF71B}" type="datetime1">
               <a:rPr lang="en-US" smtClean="0"/>
-              <a:t>9/28/2019</a:t>
+              <a:t>10/4/2019</a:t>
             </a:fld>
             <a:endParaRPr lang="en-US"/>
           </a:p>
@@ -3130,7 +3131,7 @@
           <a:p>
             <a:fld id="{7E8D12A6-918A-48BD-8CB9-CA713993B0EA}" type="datetime1">
               <a:rPr lang="en-US" smtClean="0"/>
-              <a:t>9/28/2019</a:t>
+              <a:t>10/4/2019</a:t>
             </a:fld>
             <a:endParaRPr lang="en-US"/>
           </a:p>
@@ -3392,7 +3393,7 @@
             <a:fld id="{E778CE86-875F-4587-BCF6-FA054AFC0D53}" type="datetime1">
               <a:rPr lang="en-US" smtClean="0"/>
               <a:pPr/>
-              <a:t>9/28/2019</a:t>
+              <a:t>10/4/2019</a:t>
             </a:fld>
             <a:endParaRPr lang="en-US" dirty="0"/>
           </a:p>
@@ -3908,7 +3909,7 @@
           <a:p>
             <a:fld id="{F6FA2B21-3FCD-4721-B95C-427943F61125}" type="datetime1">
               <a:rPr lang="en-US" smtClean="0"/>
-              <a:t>9/28/2019</a:t>
+              <a:t>10/4/2019</a:t>
             </a:fld>
             <a:endParaRPr lang="en-US"/>
           </a:p>
@@ -4880,12 +4881,87 @@
           <a:chExt cx="0" cy="0"/>
         </a:xfrm>
       </p:grpSpPr>
+      <p:pic>
+        <p:nvPicPr>
+          <p:cNvPr id="12" name="Picture 3">
+            <a:extLst>
+              <a:ext uri="{FF2B5EF4-FFF2-40B4-BE49-F238E27FC236}">
+                <a16:creationId xmlns:a16="http://schemas.microsoft.com/office/drawing/2014/main" id="{9AF3BDB7-672B-4684-9458-B152CA6715AC}"/>
+              </a:ext>
+            </a:extLst>
+          </p:cNvPr>
+          <p:cNvPicPr>
+            <a:picLocks noChangeAspect="1"/>
+          </p:cNvPicPr>
+          <p:nvPr/>
+        </p:nvPicPr>
+        <p:blipFill rotWithShape="1">
+          <a:blip r:embed="rId2"/>
+          <a:srcRect t="44494" b="10506"/>
+          <a:stretch/>
+        </p:blipFill>
+        <p:spPr>
+          <a:xfrm>
+            <a:off x="20" y="-839"/>
+            <a:ext cx="12191980" cy="6858000"/>
+          </a:xfrm>
+          <a:prstGeom prst="rect">
+            <a:avLst/>
+          </a:prstGeom>
+        </p:spPr>
+      </p:pic>
+      <p:sp>
+        <p:nvSpPr>
+          <p:cNvPr id="4" name="Rectangle 3">
+            <a:extLst>
+              <a:ext uri="{FF2B5EF4-FFF2-40B4-BE49-F238E27FC236}">
+                <a16:creationId xmlns:a16="http://schemas.microsoft.com/office/drawing/2014/main" id="{00C37E2D-A4AE-4E2F-BF54-E3CECA878DC7}"/>
+              </a:ext>
+            </a:extLst>
+          </p:cNvPr>
+          <p:cNvSpPr/>
+          <p:nvPr/>
+        </p:nvSpPr>
+        <p:spPr>
+          <a:xfrm>
+            <a:off x="1181100" y="552450"/>
+            <a:ext cx="10096500" cy="5657850"/>
+          </a:xfrm>
+          <a:prstGeom prst="rect">
+            <a:avLst/>
+          </a:prstGeom>
+        </p:spPr>
+        <p:style>
+          <a:lnRef idx="2">
+            <a:schemeClr val="accent1">
+              <a:shade val="50000"/>
+            </a:schemeClr>
+          </a:lnRef>
+          <a:fillRef idx="1">
+            <a:schemeClr val="accent1"/>
+          </a:fillRef>
+          <a:effectRef idx="0">
+            <a:schemeClr val="accent1"/>
+          </a:effectRef>
+          <a:fontRef idx="minor">
+            <a:schemeClr val="lt1"/>
+          </a:fontRef>
+        </p:style>
+        <p:txBody>
+          <a:bodyPr rtlCol="0" anchor="ctr"/>
+          <a:lstStyle/>
+          <a:p>
+            <a:pPr algn="ctr"/>
+            <a:endParaRPr lang="en-IN" dirty="0"/>
+          </a:p>
+        </p:txBody>
+      </p:sp>
       <p:sp>
         <p:nvSpPr>
           <p:cNvPr id="2" name="Title 1">
             <a:extLst>
               <a:ext uri="{FF2B5EF4-FFF2-40B4-BE49-F238E27FC236}">
-                <a16:creationId xmlns:a16="http://schemas.microsoft.com/office/drawing/2014/main" id="{70CC94D8-8F28-4F35-B1CE-2361573BC82D}"/>
+                <a16:creationId xmlns:a16="http://schemas.microsoft.com/office/drawing/2014/main" id="{FC8EE616-2EA4-4DA2-BDF2-AD0B93DE2F0B}"/>
               </a:ext>
             </a:extLst>
           </p:cNvPr>
@@ -4893,6 +4969,866 @@
             <a:spLocks noGrp="1"/>
           </p:cNvSpPr>
           <p:nvPr>
+            <p:ph type="ctrTitle"/>
+          </p:nvPr>
+        </p:nvSpPr>
+        <p:spPr>
+          <a:xfrm>
+            <a:off x="1847848" y="647700"/>
+            <a:ext cx="8763001" cy="5095875"/>
+          </a:xfrm>
+          <a:solidFill>
+            <a:schemeClr val="accent1">
+              <a:lumMod val="20000"/>
+              <a:lumOff val="80000"/>
+            </a:schemeClr>
+          </a:solidFill>
+        </p:spPr>
+        <p:txBody>
+          <a:bodyPr>
+            <a:normAutofit/>
+          </a:bodyPr>
+          <a:lstStyle/>
+          <a:p>
+            <a:r>
+              <a:rPr lang="en-IN" sz="13800" dirty="0">
+                <a:solidFill>
+                  <a:srgbClr val="00B050"/>
+                </a:solidFill>
+                <a:latin typeface="Algerian" panose="04020705040A02060702" pitchFamily="82" charset="0"/>
+              </a:rPr>
+              <a:t>Jdk-13</a:t>
+            </a:r>
+            <a:br>
+              <a:rPr lang="en-IN" dirty="0">
+                <a:latin typeface="Algerian" panose="04020705040A02060702" pitchFamily="82" charset="0"/>
+              </a:rPr>
+            </a:br>
+            <a:r>
+              <a:rPr lang="en-US" sz="4400" dirty="0">
+                <a:solidFill>
+                  <a:srgbClr val="0070C0"/>
+                </a:solidFill>
+                <a:latin typeface="Algerian" panose="04020705040A02060702" pitchFamily="82" charset="0"/>
+              </a:rPr>
+              <a:t>Reimplement the Legacy Socket API</a:t>
+            </a:r>
+            <a:br>
+              <a:rPr lang="en-IN" sz="7300" dirty="0">
+                <a:solidFill>
+                  <a:srgbClr val="0070C0"/>
+                </a:solidFill>
+                <a:latin typeface="Algerian" panose="04020705040A02060702" pitchFamily="82" charset="0"/>
+              </a:rPr>
+            </a:br>
+            <a:r>
+              <a:rPr lang="en-IN" sz="3200" dirty="0">
+                <a:solidFill>
+                  <a:srgbClr val="FFC000"/>
+                </a:solidFill>
+                <a:latin typeface="Algerian" panose="04020705040A02060702" pitchFamily="82" charset="0"/>
+              </a:rPr>
+              <a:t>(</a:t>
+            </a:r>
+            <a:r>
+              <a:rPr lang="en-IN" sz="3200" dirty="0" err="1">
+                <a:solidFill>
+                  <a:srgbClr val="FFC000"/>
+                </a:solidFill>
+                <a:latin typeface="Algerian" panose="04020705040A02060702" pitchFamily="82" charset="0"/>
+              </a:rPr>
+              <a:t>NioSocketImpl</a:t>
+            </a:r>
+            <a:r>
+              <a:rPr lang="en-IN" sz="3200" dirty="0">
+                <a:solidFill>
+                  <a:srgbClr val="FFC000"/>
+                </a:solidFill>
+                <a:latin typeface="Algerian" panose="04020705040A02060702" pitchFamily="82" charset="0"/>
+              </a:rPr>
+              <a:t>)</a:t>
+            </a:r>
+            <a:endParaRPr lang="en-IN" sz="2800" dirty="0">
+              <a:solidFill>
+                <a:srgbClr val="FFC000"/>
+              </a:solidFill>
+              <a:latin typeface="Algerian" panose="04020705040A02060702" pitchFamily="82" charset="0"/>
+            </a:endParaRPr>
+          </a:p>
+          <a:p>
+            <a:endParaRPr lang="en-IN" sz="4400" dirty="0">
+              <a:solidFill>
+                <a:schemeClr val="tx1"/>
+              </a:solidFill>
+              <a:latin typeface="Algerian" panose="04020705040A02060702" pitchFamily="82" charset="0"/>
+            </a:endParaRPr>
+          </a:p>
+        </p:txBody>
+      </p:sp>
+      <p:sp>
+        <p:nvSpPr>
+          <p:cNvPr id="3" name="Subtitle 2">
+            <a:extLst>
+              <a:ext uri="{FF2B5EF4-FFF2-40B4-BE49-F238E27FC236}">
+                <a16:creationId xmlns:a16="http://schemas.microsoft.com/office/drawing/2014/main" id="{B69867BB-42C1-4920-A8A5-379C0AFBC9FE}"/>
+              </a:ext>
+            </a:extLst>
+          </p:cNvPr>
+          <p:cNvSpPr>
+            <a:spLocks noGrp="1"/>
+          </p:cNvSpPr>
+          <p:nvPr>
+            <p:ph type="subTitle" idx="1"/>
+          </p:nvPr>
+        </p:nvSpPr>
+        <p:spPr>
+          <a:xfrm>
+            <a:off x="4271962" y="5826374"/>
+            <a:ext cx="3724795" cy="383926"/>
+          </a:xfrm>
+          <a:solidFill>
+            <a:srgbClr val="00B050"/>
+          </a:solidFill>
+        </p:spPr>
+        <p:txBody>
+          <a:bodyPr>
+            <a:normAutofit/>
+          </a:bodyPr>
+          <a:lstStyle/>
+          <a:p>
+            <a:r>
+              <a:rPr lang="en-IN" b="1" dirty="0"/>
+              <a:t>-- #</a:t>
+            </a:r>
+            <a:r>
+              <a:rPr lang="en-IN" b="1" dirty="0" err="1"/>
+              <a:t>greenlearner</a:t>
+            </a:r>
+            <a:r>
+              <a:rPr lang="en-IN" b="1" dirty="0"/>
+              <a:t> --</a:t>
+            </a:r>
+          </a:p>
+        </p:txBody>
+      </p:sp>
+      <p:sp>
+        <p:nvSpPr>
+          <p:cNvPr id="5" name="Wave 4">
+            <a:extLst>
+              <a:ext uri="{FF2B5EF4-FFF2-40B4-BE49-F238E27FC236}">
+                <a16:creationId xmlns:a16="http://schemas.microsoft.com/office/drawing/2014/main" id="{99A15CA1-ECF5-48C5-98A1-FE1625AAC8B1}"/>
+              </a:ext>
+            </a:extLst>
+          </p:cNvPr>
+          <p:cNvSpPr/>
+          <p:nvPr/>
+        </p:nvSpPr>
+        <p:spPr>
+          <a:xfrm>
+            <a:off x="0" y="-839"/>
+            <a:ext cx="723899" cy="381000"/>
+          </a:xfrm>
+          <a:prstGeom prst="wave">
+            <a:avLst/>
+          </a:prstGeom>
+          <a:solidFill>
+            <a:srgbClr val="FFFF00"/>
+          </a:solidFill>
+          <a:ln>
+            <a:solidFill>
+              <a:srgbClr val="00B050"/>
+            </a:solidFill>
+          </a:ln>
+        </p:spPr>
+        <p:style>
+          <a:lnRef idx="2">
+            <a:schemeClr val="accent1">
+              <a:shade val="50000"/>
+            </a:schemeClr>
+          </a:lnRef>
+          <a:fillRef idx="1">
+            <a:schemeClr val="accent1"/>
+          </a:fillRef>
+          <a:effectRef idx="0">
+            <a:schemeClr val="accent1"/>
+          </a:effectRef>
+          <a:fontRef idx="minor">
+            <a:schemeClr val="lt1"/>
+          </a:fontRef>
+        </p:style>
+        <p:txBody>
+          <a:bodyPr rtlCol="0" anchor="ctr"/>
+          <a:lstStyle/>
+          <a:p>
+            <a:pPr algn="ctr"/>
+            <a:r>
+              <a:rPr lang="en-IN" b="1" dirty="0">
+                <a:solidFill>
+                  <a:srgbClr val="00B050"/>
+                </a:solidFill>
+                <a:latin typeface="Bahnschrift Condensed" panose="020B0502040204020203" pitchFamily="34" charset="0"/>
+              </a:rPr>
+              <a:t>Arvind</a:t>
+            </a:r>
+          </a:p>
+        </p:txBody>
+      </p:sp>
+    </p:spTree>
+    <p:extLst>
+      <p:ext uri="{BB962C8B-B14F-4D97-AF65-F5344CB8AC3E}">
+        <p14:creationId xmlns:p14="http://schemas.microsoft.com/office/powerpoint/2010/main" val="2454262779"/>
+      </p:ext>
+    </p:extLst>
+  </p:cSld>
+  <p:clrMapOvr>
+    <a:masterClrMapping/>
+  </p:clrMapOvr>
+</p:sld>
+</file>
+
+<file path=ppt/slides/slide11.xml><?xml version="1.0" encoding="utf-8"?>
+<p:sld xmlns:a="http://schemas.openxmlformats.org/drawingml/2006/main" xmlns:r="http://schemas.openxmlformats.org/officeDocument/2006/relationships" xmlns:p="http://schemas.openxmlformats.org/presentationml/2006/main">
+  <p:cSld>
+    <p:bg>
+      <p:bgRef idx="1001">
+        <a:schemeClr val="bg1"/>
+      </p:bgRef>
+    </p:bg>
+    <p:spTree>
+      <p:nvGrpSpPr>
+        <p:cNvPr id="1" name=""/>
+        <p:cNvGrpSpPr/>
+        <p:nvPr/>
+      </p:nvGrpSpPr>
+      <p:grpSpPr>
+        <a:xfrm>
+          <a:off x="0" y="0"/>
+          <a:ext cx="0" cy="0"/>
+          <a:chOff x="0" y="0"/>
+          <a:chExt cx="0" cy="0"/>
+        </a:xfrm>
+      </p:grpSpPr>
+      <p:pic>
+        <p:nvPicPr>
+          <p:cNvPr id="12" name="Picture 3">
+            <a:extLst>
+              <a:ext uri="{FF2B5EF4-FFF2-40B4-BE49-F238E27FC236}">
+                <a16:creationId xmlns:a16="http://schemas.microsoft.com/office/drawing/2014/main" id="{9AF3BDB7-672B-4684-9458-B152CA6715AC}"/>
+              </a:ext>
+            </a:extLst>
+          </p:cNvPr>
+          <p:cNvPicPr>
+            <a:picLocks noChangeAspect="1"/>
+          </p:cNvPicPr>
+          <p:nvPr/>
+        </p:nvPicPr>
+        <p:blipFill rotWithShape="1">
+          <a:blip r:embed="rId3"/>
+          <a:srcRect t="44494" b="10506"/>
+          <a:stretch/>
+        </p:blipFill>
+        <p:spPr>
+          <a:xfrm>
+            <a:off x="20" y="-839"/>
+            <a:ext cx="12191980" cy="6858000"/>
+          </a:xfrm>
+          <a:prstGeom prst="rect">
+            <a:avLst/>
+          </a:prstGeom>
+        </p:spPr>
+      </p:pic>
+      <p:sp>
+        <p:nvSpPr>
+          <p:cNvPr id="4" name="Rectangle 3">
+            <a:extLst>
+              <a:ext uri="{FF2B5EF4-FFF2-40B4-BE49-F238E27FC236}">
+                <a16:creationId xmlns:a16="http://schemas.microsoft.com/office/drawing/2014/main" id="{00C37E2D-A4AE-4E2F-BF54-E3CECA878DC7}"/>
+              </a:ext>
+            </a:extLst>
+          </p:cNvPr>
+          <p:cNvSpPr/>
+          <p:nvPr/>
+        </p:nvSpPr>
+        <p:spPr>
+          <a:xfrm>
+            <a:off x="1181100" y="552450"/>
+            <a:ext cx="10096500" cy="5657850"/>
+          </a:xfrm>
+          <a:prstGeom prst="rect">
+            <a:avLst/>
+          </a:prstGeom>
+        </p:spPr>
+        <p:style>
+          <a:lnRef idx="2">
+            <a:schemeClr val="accent1">
+              <a:shade val="50000"/>
+            </a:schemeClr>
+          </a:lnRef>
+          <a:fillRef idx="1">
+            <a:schemeClr val="accent1"/>
+          </a:fillRef>
+          <a:effectRef idx="0">
+            <a:schemeClr val="accent1"/>
+          </a:effectRef>
+          <a:fontRef idx="minor">
+            <a:schemeClr val="lt1"/>
+          </a:fontRef>
+        </p:style>
+        <p:txBody>
+          <a:bodyPr rtlCol="0" anchor="ctr"/>
+          <a:lstStyle/>
+          <a:p>
+            <a:pPr algn="ctr"/>
+            <a:endParaRPr lang="en-IN" dirty="0"/>
+          </a:p>
+        </p:txBody>
+      </p:sp>
+      <p:sp>
+        <p:nvSpPr>
+          <p:cNvPr id="2" name="Title 1">
+            <a:extLst>
+              <a:ext uri="{FF2B5EF4-FFF2-40B4-BE49-F238E27FC236}">
+                <a16:creationId xmlns:a16="http://schemas.microsoft.com/office/drawing/2014/main" id="{FC8EE616-2EA4-4DA2-BDF2-AD0B93DE2F0B}"/>
+              </a:ext>
+            </a:extLst>
+          </p:cNvPr>
+          <p:cNvSpPr>
+            <a:spLocks noGrp="1"/>
+          </p:cNvSpPr>
+          <p:nvPr>
+            <p:ph type="ctrTitle"/>
+          </p:nvPr>
+        </p:nvSpPr>
+        <p:spPr>
+          <a:xfrm>
+            <a:off x="1847848" y="647700"/>
+            <a:ext cx="8763001" cy="5095875"/>
+          </a:xfrm>
+          <a:solidFill>
+            <a:schemeClr val="accent1">
+              <a:lumMod val="20000"/>
+              <a:lumOff val="80000"/>
+            </a:schemeClr>
+          </a:solidFill>
+        </p:spPr>
+        <p:txBody>
+          <a:bodyPr>
+            <a:normAutofit/>
+          </a:bodyPr>
+          <a:lstStyle/>
+          <a:p>
+            <a:r>
+              <a:rPr lang="en-IN" sz="13800" dirty="0">
+                <a:solidFill>
+                  <a:srgbClr val="00B050"/>
+                </a:solidFill>
+                <a:latin typeface="Algerian" panose="04020705040A02060702" pitchFamily="82" charset="0"/>
+              </a:rPr>
+              <a:t>Jdk-13</a:t>
+            </a:r>
+            <a:br>
+              <a:rPr lang="en-IN" dirty="0">
+                <a:latin typeface="Algerian" panose="04020705040A02060702" pitchFamily="82" charset="0"/>
+              </a:rPr>
+            </a:br>
+            <a:r>
+              <a:rPr lang="en-US" sz="5400" dirty="0">
+                <a:solidFill>
+                  <a:srgbClr val="0070C0"/>
+                </a:solidFill>
+                <a:latin typeface="Algerian" panose="04020705040A02060702" pitchFamily="82" charset="0"/>
+              </a:rPr>
+              <a:t>Uncommit Unused Memory</a:t>
+            </a:r>
+            <a:br>
+              <a:rPr lang="en-US" sz="4400" dirty="0">
+                <a:solidFill>
+                  <a:srgbClr val="0070C0"/>
+                </a:solidFill>
+                <a:latin typeface="Algerian" panose="04020705040A02060702" pitchFamily="82" charset="0"/>
+              </a:rPr>
+            </a:br>
+            <a:r>
+              <a:rPr lang="en-US" sz="7200" dirty="0">
+                <a:solidFill>
+                  <a:srgbClr val="FFC000"/>
+                </a:solidFill>
+                <a:latin typeface="Algerian" panose="04020705040A02060702" pitchFamily="82" charset="0"/>
+              </a:rPr>
+              <a:t>(ZGC)</a:t>
+            </a:r>
+            <a:endParaRPr lang="en-IN" sz="2800" dirty="0">
+              <a:solidFill>
+                <a:srgbClr val="FFC000"/>
+              </a:solidFill>
+              <a:latin typeface="Algerian" panose="04020705040A02060702" pitchFamily="82" charset="0"/>
+            </a:endParaRPr>
+          </a:p>
+          <a:p>
+            <a:endParaRPr lang="en-IN" sz="4400" dirty="0">
+              <a:solidFill>
+                <a:schemeClr val="tx1"/>
+              </a:solidFill>
+              <a:latin typeface="Algerian" panose="04020705040A02060702" pitchFamily="82" charset="0"/>
+            </a:endParaRPr>
+          </a:p>
+        </p:txBody>
+      </p:sp>
+      <p:sp>
+        <p:nvSpPr>
+          <p:cNvPr id="3" name="Subtitle 2">
+            <a:extLst>
+              <a:ext uri="{FF2B5EF4-FFF2-40B4-BE49-F238E27FC236}">
+                <a16:creationId xmlns:a16="http://schemas.microsoft.com/office/drawing/2014/main" id="{B69867BB-42C1-4920-A8A5-379C0AFBC9FE}"/>
+              </a:ext>
+            </a:extLst>
+          </p:cNvPr>
+          <p:cNvSpPr>
+            <a:spLocks noGrp="1"/>
+          </p:cNvSpPr>
+          <p:nvPr>
+            <p:ph type="subTitle" idx="1"/>
+          </p:nvPr>
+        </p:nvSpPr>
+        <p:spPr>
+          <a:xfrm>
+            <a:off x="4271962" y="5826374"/>
+            <a:ext cx="3724795" cy="383926"/>
+          </a:xfrm>
+          <a:solidFill>
+            <a:srgbClr val="00B050"/>
+          </a:solidFill>
+        </p:spPr>
+        <p:txBody>
+          <a:bodyPr>
+            <a:normAutofit/>
+          </a:bodyPr>
+          <a:lstStyle/>
+          <a:p>
+            <a:r>
+              <a:rPr lang="en-IN" b="1" dirty="0"/>
+              <a:t>-- #</a:t>
+            </a:r>
+            <a:r>
+              <a:rPr lang="en-IN" b="1" dirty="0" err="1"/>
+              <a:t>greenlearner</a:t>
+            </a:r>
+            <a:r>
+              <a:rPr lang="en-IN" b="1" dirty="0"/>
+              <a:t> --</a:t>
+            </a:r>
+          </a:p>
+        </p:txBody>
+      </p:sp>
+      <p:sp>
+        <p:nvSpPr>
+          <p:cNvPr id="5" name="Wave 4">
+            <a:extLst>
+              <a:ext uri="{FF2B5EF4-FFF2-40B4-BE49-F238E27FC236}">
+                <a16:creationId xmlns:a16="http://schemas.microsoft.com/office/drawing/2014/main" id="{99A15CA1-ECF5-48C5-98A1-FE1625AAC8B1}"/>
+              </a:ext>
+            </a:extLst>
+          </p:cNvPr>
+          <p:cNvSpPr/>
+          <p:nvPr/>
+        </p:nvSpPr>
+        <p:spPr>
+          <a:xfrm>
+            <a:off x="0" y="-839"/>
+            <a:ext cx="723899" cy="381000"/>
+          </a:xfrm>
+          <a:prstGeom prst="wave">
+            <a:avLst/>
+          </a:prstGeom>
+          <a:solidFill>
+            <a:srgbClr val="FFFF00"/>
+          </a:solidFill>
+          <a:ln>
+            <a:solidFill>
+              <a:srgbClr val="00B050"/>
+            </a:solidFill>
+          </a:ln>
+        </p:spPr>
+        <p:style>
+          <a:lnRef idx="2">
+            <a:schemeClr val="accent1">
+              <a:shade val="50000"/>
+            </a:schemeClr>
+          </a:lnRef>
+          <a:fillRef idx="1">
+            <a:schemeClr val="accent1"/>
+          </a:fillRef>
+          <a:effectRef idx="0">
+            <a:schemeClr val="accent1"/>
+          </a:effectRef>
+          <a:fontRef idx="minor">
+            <a:schemeClr val="lt1"/>
+          </a:fontRef>
+        </p:style>
+        <p:txBody>
+          <a:bodyPr rtlCol="0" anchor="ctr"/>
+          <a:lstStyle/>
+          <a:p>
+            <a:pPr algn="ctr"/>
+            <a:r>
+              <a:rPr lang="en-IN" b="1" dirty="0">
+                <a:solidFill>
+                  <a:srgbClr val="00B050"/>
+                </a:solidFill>
+                <a:latin typeface="Bahnschrift Condensed" panose="020B0502040204020203" pitchFamily="34" charset="0"/>
+              </a:rPr>
+              <a:t>Arvind</a:t>
+            </a:r>
+          </a:p>
+        </p:txBody>
+      </p:sp>
+    </p:spTree>
+    <p:extLst>
+      <p:ext uri="{BB962C8B-B14F-4D97-AF65-F5344CB8AC3E}">
+        <p14:creationId xmlns:p14="http://schemas.microsoft.com/office/powerpoint/2010/main" val="2937865502"/>
+      </p:ext>
+    </p:extLst>
+  </p:cSld>
+  <p:clrMapOvr>
+    <a:overrideClrMapping bg1="lt1" tx1="dk1" bg2="lt2" tx2="dk2" accent1="accent1" accent2="accent2" accent3="accent3" accent4="accent4" accent5="accent5" accent6="accent6" hlink="hlink" folHlink="folHlink"/>
+  </p:clrMapOvr>
+</p:sld>
+</file>
+
+<file path=ppt/slides/slide12.xml><?xml version="1.0" encoding="utf-8"?>
+<p:sld xmlns:a="http://schemas.openxmlformats.org/drawingml/2006/main" xmlns:r="http://schemas.openxmlformats.org/officeDocument/2006/relationships" xmlns:p="http://schemas.openxmlformats.org/presentationml/2006/main">
+  <p:cSld>
+    <p:spTree>
+      <p:nvGrpSpPr>
+        <p:cNvPr id="1" name=""/>
+        <p:cNvGrpSpPr/>
+        <p:nvPr/>
+      </p:nvGrpSpPr>
+      <p:grpSpPr>
+        <a:xfrm>
+          <a:off x="0" y="0"/>
+          <a:ext cx="0" cy="0"/>
+          <a:chOff x="0" y="0"/>
+          <a:chExt cx="0" cy="0"/>
+        </a:xfrm>
+      </p:grpSpPr>
+      <p:pic>
+        <p:nvPicPr>
+          <p:cNvPr id="12" name="Picture 3">
+            <a:extLst>
+              <a:ext uri="{FF2B5EF4-FFF2-40B4-BE49-F238E27FC236}">
+                <a16:creationId xmlns:a16="http://schemas.microsoft.com/office/drawing/2014/main" id="{9AF3BDB7-672B-4684-9458-B152CA6715AC}"/>
+              </a:ext>
+            </a:extLst>
+          </p:cNvPr>
+          <p:cNvPicPr>
+            <a:picLocks noChangeAspect="1"/>
+          </p:cNvPicPr>
+          <p:nvPr/>
+        </p:nvPicPr>
+        <p:blipFill rotWithShape="1">
+          <a:blip r:embed="rId2"/>
+          <a:srcRect t="44494" b="10506"/>
+          <a:stretch/>
+        </p:blipFill>
+        <p:spPr>
+          <a:xfrm>
+            <a:off x="20" y="-839"/>
+            <a:ext cx="12191980" cy="6858000"/>
+          </a:xfrm>
+          <a:prstGeom prst="rect">
+            <a:avLst/>
+          </a:prstGeom>
+        </p:spPr>
+      </p:pic>
+      <p:sp>
+        <p:nvSpPr>
+          <p:cNvPr id="4" name="Rectangle 3">
+            <a:extLst>
+              <a:ext uri="{FF2B5EF4-FFF2-40B4-BE49-F238E27FC236}">
+                <a16:creationId xmlns:a16="http://schemas.microsoft.com/office/drawing/2014/main" id="{00C37E2D-A4AE-4E2F-BF54-E3CECA878DC7}"/>
+              </a:ext>
+            </a:extLst>
+          </p:cNvPr>
+          <p:cNvSpPr/>
+          <p:nvPr/>
+        </p:nvSpPr>
+        <p:spPr>
+          <a:xfrm>
+            <a:off x="1181100" y="552450"/>
+            <a:ext cx="10096500" cy="5657850"/>
+          </a:xfrm>
+          <a:prstGeom prst="rect">
+            <a:avLst/>
+          </a:prstGeom>
+        </p:spPr>
+        <p:style>
+          <a:lnRef idx="2">
+            <a:schemeClr val="accent1">
+              <a:shade val="50000"/>
+            </a:schemeClr>
+          </a:lnRef>
+          <a:fillRef idx="1">
+            <a:schemeClr val="accent1"/>
+          </a:fillRef>
+          <a:effectRef idx="0">
+            <a:schemeClr val="accent1"/>
+          </a:effectRef>
+          <a:fontRef idx="minor">
+            <a:schemeClr val="lt1"/>
+          </a:fontRef>
+        </p:style>
+        <p:txBody>
+          <a:bodyPr rtlCol="0" anchor="ctr"/>
+          <a:lstStyle/>
+          <a:p>
+            <a:pPr algn="ctr"/>
+            <a:endParaRPr lang="en-IN" dirty="0"/>
+          </a:p>
+        </p:txBody>
+      </p:sp>
+      <p:sp>
+        <p:nvSpPr>
+          <p:cNvPr id="2" name="Title 1">
+            <a:extLst>
+              <a:ext uri="{FF2B5EF4-FFF2-40B4-BE49-F238E27FC236}">
+                <a16:creationId xmlns:a16="http://schemas.microsoft.com/office/drawing/2014/main" id="{FC8EE616-2EA4-4DA2-BDF2-AD0B93DE2F0B}"/>
+              </a:ext>
+            </a:extLst>
+          </p:cNvPr>
+          <p:cNvSpPr>
+            <a:spLocks noGrp="1"/>
+          </p:cNvSpPr>
+          <p:nvPr>
+            <p:ph type="ctrTitle"/>
+          </p:nvPr>
+        </p:nvSpPr>
+        <p:spPr>
+          <a:xfrm>
+            <a:off x="1847848" y="647700"/>
+            <a:ext cx="8763001" cy="5095875"/>
+          </a:xfrm>
+          <a:solidFill>
+            <a:schemeClr val="accent1">
+              <a:lumMod val="20000"/>
+              <a:lumOff val="80000"/>
+            </a:schemeClr>
+          </a:solidFill>
+        </p:spPr>
+        <p:txBody>
+          <a:bodyPr>
+            <a:normAutofit/>
+          </a:bodyPr>
+          <a:lstStyle/>
+          <a:p>
+            <a:r>
+              <a:rPr lang="en-IN" sz="13800" dirty="0">
+                <a:solidFill>
+                  <a:srgbClr val="00B050"/>
+                </a:solidFill>
+                <a:latin typeface="Algerian" panose="04020705040A02060702" pitchFamily="82" charset="0"/>
+              </a:rPr>
+              <a:t>Jdk-13</a:t>
+            </a:r>
+            <a:br>
+              <a:rPr lang="en-IN" dirty="0">
+                <a:latin typeface="Algerian" panose="04020705040A02060702" pitchFamily="82" charset="0"/>
+              </a:rPr>
+            </a:br>
+            <a:r>
+              <a:rPr lang="en-US" sz="5400" dirty="0">
+                <a:solidFill>
+                  <a:srgbClr val="0070C0"/>
+                </a:solidFill>
+                <a:latin typeface="Algerian" panose="04020705040A02060702" pitchFamily="82" charset="0"/>
+              </a:rPr>
+              <a:t>Dynamic CDS Archives</a:t>
+            </a:r>
+            <a:br>
+              <a:rPr lang="en-US" sz="4400" dirty="0">
+                <a:solidFill>
+                  <a:srgbClr val="0070C0"/>
+                </a:solidFill>
+                <a:latin typeface="Algerian" panose="04020705040A02060702" pitchFamily="82" charset="0"/>
+              </a:rPr>
+            </a:br>
+            <a:r>
+              <a:rPr lang="en-US" sz="3200" dirty="0">
+                <a:solidFill>
+                  <a:srgbClr val="FFC000"/>
+                </a:solidFill>
+                <a:latin typeface="Algerian" panose="04020705040A02060702" pitchFamily="82" charset="0"/>
+              </a:rPr>
+              <a:t>(application class-data sharing)</a:t>
+            </a:r>
+            <a:endParaRPr lang="en-IN" sz="1050" dirty="0">
+              <a:solidFill>
+                <a:srgbClr val="FFC000"/>
+              </a:solidFill>
+              <a:latin typeface="Algerian" panose="04020705040A02060702" pitchFamily="82" charset="0"/>
+            </a:endParaRPr>
+          </a:p>
+          <a:p>
+            <a:endParaRPr lang="en-IN" sz="4400" dirty="0">
+              <a:solidFill>
+                <a:schemeClr val="tx1"/>
+              </a:solidFill>
+              <a:latin typeface="Algerian" panose="04020705040A02060702" pitchFamily="82" charset="0"/>
+            </a:endParaRPr>
+          </a:p>
+        </p:txBody>
+      </p:sp>
+      <p:sp>
+        <p:nvSpPr>
+          <p:cNvPr id="3" name="Subtitle 2">
+            <a:extLst>
+              <a:ext uri="{FF2B5EF4-FFF2-40B4-BE49-F238E27FC236}">
+                <a16:creationId xmlns:a16="http://schemas.microsoft.com/office/drawing/2014/main" id="{B69867BB-42C1-4920-A8A5-379C0AFBC9FE}"/>
+              </a:ext>
+            </a:extLst>
+          </p:cNvPr>
+          <p:cNvSpPr>
+            <a:spLocks noGrp="1"/>
+          </p:cNvSpPr>
+          <p:nvPr>
+            <p:ph type="subTitle" idx="1"/>
+          </p:nvPr>
+        </p:nvSpPr>
+        <p:spPr>
+          <a:xfrm>
+            <a:off x="4271962" y="5826374"/>
+            <a:ext cx="3724795" cy="383926"/>
+          </a:xfrm>
+          <a:solidFill>
+            <a:srgbClr val="00B050"/>
+          </a:solidFill>
+        </p:spPr>
+        <p:txBody>
+          <a:bodyPr>
+            <a:normAutofit/>
+          </a:bodyPr>
+          <a:lstStyle/>
+          <a:p>
+            <a:r>
+              <a:rPr lang="en-IN" b="1" dirty="0"/>
+              <a:t>-- #</a:t>
+            </a:r>
+            <a:r>
+              <a:rPr lang="en-IN" b="1" dirty="0" err="1"/>
+              <a:t>greenlearner</a:t>
+            </a:r>
+            <a:r>
+              <a:rPr lang="en-IN" b="1" dirty="0"/>
+              <a:t> --</a:t>
+            </a:r>
+          </a:p>
+        </p:txBody>
+      </p:sp>
+      <p:sp>
+        <p:nvSpPr>
+          <p:cNvPr id="5" name="Wave 4">
+            <a:extLst>
+              <a:ext uri="{FF2B5EF4-FFF2-40B4-BE49-F238E27FC236}">
+                <a16:creationId xmlns:a16="http://schemas.microsoft.com/office/drawing/2014/main" id="{99A15CA1-ECF5-48C5-98A1-FE1625AAC8B1}"/>
+              </a:ext>
+            </a:extLst>
+          </p:cNvPr>
+          <p:cNvSpPr/>
+          <p:nvPr/>
+        </p:nvSpPr>
+        <p:spPr>
+          <a:xfrm>
+            <a:off x="0" y="-839"/>
+            <a:ext cx="723899" cy="381000"/>
+          </a:xfrm>
+          <a:prstGeom prst="wave">
+            <a:avLst/>
+          </a:prstGeom>
+          <a:solidFill>
+            <a:srgbClr val="FFFF00"/>
+          </a:solidFill>
+          <a:ln>
+            <a:solidFill>
+              <a:srgbClr val="00B050"/>
+            </a:solidFill>
+          </a:ln>
+        </p:spPr>
+        <p:style>
+          <a:lnRef idx="2">
+            <a:schemeClr val="accent1">
+              <a:shade val="50000"/>
+            </a:schemeClr>
+          </a:lnRef>
+          <a:fillRef idx="1">
+            <a:schemeClr val="accent1"/>
+          </a:fillRef>
+          <a:effectRef idx="0">
+            <a:schemeClr val="accent1"/>
+          </a:effectRef>
+          <a:fontRef idx="minor">
+            <a:schemeClr val="lt1"/>
+          </a:fontRef>
+        </p:style>
+        <p:txBody>
+          <a:bodyPr rtlCol="0" anchor="ctr"/>
+          <a:lstStyle/>
+          <a:p>
+            <a:pPr algn="ctr"/>
+            <a:r>
+              <a:rPr lang="en-IN" b="1" dirty="0">
+                <a:solidFill>
+                  <a:srgbClr val="00B050"/>
+                </a:solidFill>
+                <a:latin typeface="Bahnschrift Condensed" panose="020B0502040204020203" pitchFamily="34" charset="0"/>
+              </a:rPr>
+              <a:t>Arvind</a:t>
+            </a:r>
+          </a:p>
+        </p:txBody>
+      </p:sp>
+    </p:spTree>
+    <p:extLst>
+      <p:ext uri="{BB962C8B-B14F-4D97-AF65-F5344CB8AC3E}">
+        <p14:creationId xmlns:p14="http://schemas.microsoft.com/office/powerpoint/2010/main" val="2196223572"/>
+      </p:ext>
+    </p:extLst>
+  </p:cSld>
+  <p:clrMapOvr>
+    <a:masterClrMapping/>
+  </p:clrMapOvr>
+</p:sld>
+</file>
+
+<file path=ppt/slides/slide13.xml><?xml version="1.0" encoding="utf-8"?>
+<p:sld xmlns:a="http://schemas.openxmlformats.org/drawingml/2006/main" xmlns:r="http://schemas.openxmlformats.org/officeDocument/2006/relationships" xmlns:p="http://schemas.openxmlformats.org/presentationml/2006/main">
+  <p:cSld>
+    <p:spTree>
+      <p:nvGrpSpPr>
+        <p:cNvPr id="1" name=""/>
+        <p:cNvGrpSpPr/>
+        <p:nvPr/>
+      </p:nvGrpSpPr>
+      <p:grpSpPr>
+        <a:xfrm>
+          <a:off x="0" y="0"/>
+          <a:ext cx="0" cy="0"/>
+          <a:chOff x="0" y="0"/>
+          <a:chExt cx="0" cy="0"/>
+        </a:xfrm>
+      </p:grpSpPr>
+      <p:sp>
+        <p:nvSpPr>
+          <p:cNvPr id="2" name="Title 1">
+            <a:extLst>
+              <a:ext uri="{FF2B5EF4-FFF2-40B4-BE49-F238E27FC236}">
+                <a16:creationId xmlns:a16="http://schemas.microsoft.com/office/drawing/2014/main" id="{4E6CE275-A835-4344-B09F-D8BE53915415}"/>
+              </a:ext>
+            </a:extLst>
+          </p:cNvPr>
+          <p:cNvSpPr>
+            <a:spLocks noGrp="1"/>
+          </p:cNvSpPr>
+          <p:nvPr>
             <p:ph type="title"/>
           </p:nvPr>
         </p:nvSpPr>
@@ -4903,7 +5839,7 @@
           <a:p>
             <a:r>
               <a:rPr lang="en-IN" dirty="0"/>
-              <a:t>Points to remember</a:t>
+              <a:t>AppCDS</a:t>
             </a:r>
           </a:p>
         </p:txBody>
@@ -4913,7 +5849,7 @@
           <p:cNvPr id="3" name="Content Placeholder 2">
             <a:extLst>
               <a:ext uri="{FF2B5EF4-FFF2-40B4-BE49-F238E27FC236}">
-                <a16:creationId xmlns:a16="http://schemas.microsoft.com/office/drawing/2014/main" id="{3393154C-32E3-4721-97ED-3877D3EEE50A}"/>
+                <a16:creationId xmlns:a16="http://schemas.microsoft.com/office/drawing/2014/main" id="{454A1754-B8B8-4EDA-8CC3-8B7250A02E9F}"/>
               </a:ext>
             </a:extLst>
           </p:cNvPr>
@@ -4930,90 +5866,119 @@
           <a:lstStyle/>
           <a:p>
             <a:r>
-              <a:rPr lang="en-IN" dirty="0"/>
-              <a:t>Java12 -- </a:t>
-            </a:r>
-            <a:r>
-              <a:rPr lang="en-IN" sz="2000" b="1" dirty="0">
+              <a:rPr lang="en-US" dirty="0"/>
+              <a:t>This feature evolved over several Java releases (10, 12, and </a:t>
+            </a:r>
+            <a:r>
+              <a:rPr lang="en-US" sz="2400" b="1" dirty="0">
                 <a:solidFill>
                   <a:srgbClr val="00B050"/>
                 </a:solidFill>
               </a:rPr>
-              <a:t>break</a:t>
-            </a:r>
-            <a:r>
-              <a:rPr lang="en-IN" dirty="0"/>
-              <a:t> to return values</a:t>
-            </a:r>
-          </a:p>
-          <a:p>
-            <a:r>
-              <a:rPr lang="en-IN" dirty="0"/>
-              <a:t>Java 13 -- </a:t>
-            </a:r>
-            <a:r>
-              <a:rPr lang="en-IN" sz="2000" b="1" dirty="0">
-                <a:solidFill>
-                  <a:srgbClr val="00B050"/>
-                </a:solidFill>
-              </a:rPr>
-              <a:t>yield</a:t>
-            </a:r>
-            <a:r>
-              <a:rPr lang="en-IN" dirty="0"/>
-              <a:t> to return values</a:t>
-            </a:r>
-          </a:p>
-          <a:p>
-            <a:r>
-              <a:rPr lang="en-IN" dirty="0"/>
-              <a:t>New syntax : </a:t>
-            </a:r>
-            <a:r>
-              <a:rPr lang="en-IN" dirty="0">
-                <a:latin typeface="Arial Black" panose="020B0A04020102020204" pitchFamily="34" charset="0"/>
-              </a:rPr>
-              <a:t>“-&gt;” </a:t>
-            </a:r>
-            <a:r>
-              <a:rPr lang="en-IN" dirty="0"/>
-              <a:t>This is without fall-through</a:t>
-            </a:r>
-          </a:p>
-          <a:p>
-            <a:r>
-              <a:rPr lang="en-IN" dirty="0"/>
-              <a:t>Case and </a:t>
-            </a:r>
-            <a:r>
-              <a:rPr lang="en-IN" dirty="0">
-                <a:latin typeface="Arial Black" panose="020B0A04020102020204" pitchFamily="34" charset="0"/>
-              </a:rPr>
-              <a:t>“-&gt;” </a:t>
-            </a:r>
-            <a:r>
-              <a:rPr lang="en-IN" dirty="0"/>
-              <a:t>can’t be combined</a:t>
-            </a:r>
-          </a:p>
-          <a:p>
-            <a:r>
-              <a:rPr lang="en-IN" dirty="0">
-                <a:latin typeface="Arial Black" panose="020B0A04020102020204" pitchFamily="34" charset="0"/>
-              </a:rPr>
-              <a:t>“-&gt;” </a:t>
-            </a:r>
-            <a:r>
-              <a:rPr lang="en-IN" dirty="0"/>
-              <a:t>can be used with switch expression as well as switch statement</a:t>
-            </a:r>
-          </a:p>
-        </p:txBody>
-      </p:sp>
+              <a:t>13</a:t>
+            </a:r>
+            <a:r>
+              <a:rPr lang="en-US" dirty="0"/>
+              <a:t>).</a:t>
+            </a:r>
+          </a:p>
+          <a:p>
+            <a:r>
+              <a:rPr lang="en-US" dirty="0"/>
+              <a:t>To execute a class’ bytecode, the JVM needs to perform a few preparatory steps.</a:t>
+            </a:r>
+          </a:p>
+          <a:p>
+            <a:pPr lvl="1"/>
+            <a:r>
+              <a:rPr lang="en-US" dirty="0"/>
+              <a:t>Loading</a:t>
+            </a:r>
+          </a:p>
+          <a:p>
+            <a:pPr lvl="1"/>
+            <a:r>
+              <a:rPr lang="en-US" dirty="0"/>
+              <a:t>Verification of bytecode</a:t>
+            </a:r>
+          </a:p>
+          <a:p>
+            <a:pPr lvl="1"/>
+            <a:r>
+              <a:rPr lang="en-US" dirty="0"/>
+              <a:t>Pulling the classes into and internal data structure</a:t>
+            </a:r>
+          </a:p>
+          <a:p>
+            <a:r>
+              <a:rPr lang="en-US" dirty="0"/>
+              <a:t>This is </a:t>
+            </a:r>
+            <a:r>
+              <a:rPr lang="en-US" dirty="0" err="1"/>
+              <a:t>gonna</a:t>
+            </a:r>
+            <a:r>
+              <a:rPr lang="en-US" dirty="0"/>
+              <a:t> take time. Right?</a:t>
+            </a:r>
+          </a:p>
+          <a:p>
+            <a:r>
+              <a:rPr lang="en-US" dirty="0"/>
+              <a:t>Point here is – As long as the application’s JARs do not change, this class-data is always the same</a:t>
+            </a:r>
+          </a:p>
+          <a:p>
+            <a:pPr lvl="1"/>
+            <a:endParaRPr lang="en-IN" dirty="0"/>
+          </a:p>
+        </p:txBody>
+      </p:sp>
+      <p:pic>
+        <p:nvPicPr>
+          <p:cNvPr id="5" name="Picture 4">
+            <a:extLst>
+              <a:ext uri="{FF2B5EF4-FFF2-40B4-BE49-F238E27FC236}">
+                <a16:creationId xmlns:a16="http://schemas.microsoft.com/office/drawing/2014/main" id="{5BCB6C0D-FFA7-4A0F-8712-82BB16BBE2E6}"/>
+              </a:ext>
+            </a:extLst>
+          </p:cNvPr>
+          <p:cNvPicPr>
+            <a:picLocks noChangeAspect="1"/>
+          </p:cNvPicPr>
+          <p:nvPr/>
+        </p:nvPicPr>
+        <p:blipFill>
+          <a:blip r:embed="rId2"/>
+          <a:stretch>
+            <a:fillRect/>
+          </a:stretch>
+        </p:blipFill>
+        <p:spPr>
+          <a:xfrm>
+            <a:off x="8607757" y="375894"/>
+            <a:ext cx="3288968" cy="3053106"/>
+          </a:xfrm>
+          <a:prstGeom prst="rect">
+            <a:avLst/>
+          </a:prstGeom>
+          <a:ln>
+            <a:noFill/>
+          </a:ln>
+          <a:effectLst>
+            <a:outerShdw blurRad="292100" dist="139700" dir="2700000" algn="tl" rotWithShape="0">
+              <a:srgbClr val="333333">
+                <a:alpha val="65000"/>
+              </a:srgbClr>
+            </a:outerShdw>
+          </a:effectLst>
+        </p:spPr>
+      </p:pic>
     </p:spTree>
     <p:extLst>
       <p:ext uri="{BB962C8B-B14F-4D97-AF65-F5344CB8AC3E}">
-        <p14:creationId xmlns:p14="http://schemas.microsoft.com/office/powerpoint/2010/main" val="2698483505"/>
+        <p14:creationId xmlns:p14="http://schemas.microsoft.com/office/powerpoint/2010/main" val="539674426"/>
       </p:ext>
     </p:extLst>
   </p:cSld>
@@ -5252,33 +6217,15 @@
                                   </p:childTnLst>
                                 </p:cTn>
                               </p:par>
-                            </p:childTnLst>
-                          </p:cTn>
-                        </p:par>
-                      </p:childTnLst>
-                    </p:cTn>
-                  </p:par>
-                  <p:par>
-                    <p:cTn id="17" fill="hold">
-                      <p:stCondLst>
-                        <p:cond delay="indefinite"/>
-                      </p:stCondLst>
-                      <p:childTnLst>
-                        <p:par>
-                          <p:cTn id="18" fill="hold">
-                            <p:stCondLst>
-                              <p:cond delay="0"/>
-                            </p:stCondLst>
-                            <p:childTnLst>
                               <p:par>
-                                <p:cTn id="19" presetID="42" presetClass="entr" presetSubtype="0" fill="hold" grpId="0" nodeType="clickEffect">
+                                <p:cTn id="17" presetID="42" presetClass="entr" presetSubtype="0" fill="hold" grpId="0" nodeType="withEffect">
                                   <p:stCondLst>
                                     <p:cond delay="0"/>
                                   </p:stCondLst>
                                   <p:childTnLst>
                                     <p:set>
                                       <p:cBhvr>
-                                        <p:cTn id="20" dur="1" fill="hold">
+                                        <p:cTn id="18" dur="1" fill="hold">
                                           <p:stCondLst>
                                             <p:cond delay="0"/>
                                           </p:stCondLst>
@@ -5300,7 +6247,7 @@
                                     </p:set>
                                     <p:animEffect transition="in" filter="fade">
                                       <p:cBhvr>
-                                        <p:cTn id="21" dur="1000"/>
+                                        <p:cTn id="19" dur="1000"/>
                                         <p:tgtEl>
                                           <p:spTgt spid="3">
                                             <p:txEl>
@@ -5312,7 +6259,7 @@
                                     </p:animEffect>
                                     <p:anim calcmode="lin" valueType="num">
                                       <p:cBhvr>
-                                        <p:cTn id="22" dur="1000" fill="hold"/>
+                                        <p:cTn id="20" dur="1000" fill="hold"/>
                                         <p:tgtEl>
                                           <p:spTgt spid="3">
                                             <p:txEl>
@@ -5339,11 +6286,205 @@
                                     </p:anim>
                                     <p:anim calcmode="lin" valueType="num">
                                       <p:cBhvr>
-                                        <p:cTn id="23" dur="1000" fill="hold"/>
+                                        <p:cTn id="21" dur="1000" fill="hold"/>
                                         <p:tgtEl>
                                           <p:spTgt spid="3">
                                             <p:txEl>
                                               <p:pRg st="2" end="2"/>
+                                            </p:txEl>
+                                          </p:spTgt>
+                                        </p:tgtEl>
+                                        <p:attrNameLst>
+                                          <p:attrName>ppt_y</p:attrName>
+                                        </p:attrNameLst>
+                                      </p:cBhvr>
+                                      <p:tavLst>
+                                        <p:tav tm="0">
+                                          <p:val>
+                                            <p:strVal val="#ppt_y+.1"/>
+                                          </p:val>
+                                        </p:tav>
+                                        <p:tav tm="100000">
+                                          <p:val>
+                                            <p:strVal val="#ppt_y"/>
+                                          </p:val>
+                                        </p:tav>
+                                      </p:tavLst>
+                                    </p:anim>
+                                  </p:childTnLst>
+                                </p:cTn>
+                              </p:par>
+                              <p:par>
+                                <p:cTn id="22" presetID="42" presetClass="entr" presetSubtype="0" fill="hold" grpId="0" nodeType="withEffect">
+                                  <p:stCondLst>
+                                    <p:cond delay="0"/>
+                                  </p:stCondLst>
+                                  <p:childTnLst>
+                                    <p:set>
+                                      <p:cBhvr>
+                                        <p:cTn id="23" dur="1" fill="hold">
+                                          <p:stCondLst>
+                                            <p:cond delay="0"/>
+                                          </p:stCondLst>
+                                        </p:cTn>
+                                        <p:tgtEl>
+                                          <p:spTgt spid="3">
+                                            <p:txEl>
+                                              <p:pRg st="3" end="3"/>
+                                            </p:txEl>
+                                          </p:spTgt>
+                                        </p:tgtEl>
+                                        <p:attrNameLst>
+                                          <p:attrName>style.visibility</p:attrName>
+                                        </p:attrNameLst>
+                                      </p:cBhvr>
+                                      <p:to>
+                                        <p:strVal val="visible"/>
+                                      </p:to>
+                                    </p:set>
+                                    <p:animEffect transition="in" filter="fade">
+                                      <p:cBhvr>
+                                        <p:cTn id="24" dur="1000"/>
+                                        <p:tgtEl>
+                                          <p:spTgt spid="3">
+                                            <p:txEl>
+                                              <p:pRg st="3" end="3"/>
+                                            </p:txEl>
+                                          </p:spTgt>
+                                        </p:tgtEl>
+                                      </p:cBhvr>
+                                    </p:animEffect>
+                                    <p:anim calcmode="lin" valueType="num">
+                                      <p:cBhvr>
+                                        <p:cTn id="25" dur="1000" fill="hold"/>
+                                        <p:tgtEl>
+                                          <p:spTgt spid="3">
+                                            <p:txEl>
+                                              <p:pRg st="3" end="3"/>
+                                            </p:txEl>
+                                          </p:spTgt>
+                                        </p:tgtEl>
+                                        <p:attrNameLst>
+                                          <p:attrName>ppt_x</p:attrName>
+                                        </p:attrNameLst>
+                                      </p:cBhvr>
+                                      <p:tavLst>
+                                        <p:tav tm="0">
+                                          <p:val>
+                                            <p:strVal val="#ppt_x"/>
+                                          </p:val>
+                                        </p:tav>
+                                        <p:tav tm="100000">
+                                          <p:val>
+                                            <p:strVal val="#ppt_x"/>
+                                          </p:val>
+                                        </p:tav>
+                                      </p:tavLst>
+                                    </p:anim>
+                                    <p:anim calcmode="lin" valueType="num">
+                                      <p:cBhvr>
+                                        <p:cTn id="26" dur="1000" fill="hold"/>
+                                        <p:tgtEl>
+                                          <p:spTgt spid="3">
+                                            <p:txEl>
+                                              <p:pRg st="3" end="3"/>
+                                            </p:txEl>
+                                          </p:spTgt>
+                                        </p:tgtEl>
+                                        <p:attrNameLst>
+                                          <p:attrName>ppt_y</p:attrName>
+                                        </p:attrNameLst>
+                                      </p:cBhvr>
+                                      <p:tavLst>
+                                        <p:tav tm="0">
+                                          <p:val>
+                                            <p:strVal val="#ppt_y+.1"/>
+                                          </p:val>
+                                        </p:tav>
+                                        <p:tav tm="100000">
+                                          <p:val>
+                                            <p:strVal val="#ppt_y"/>
+                                          </p:val>
+                                        </p:tav>
+                                      </p:tavLst>
+                                    </p:anim>
+                                  </p:childTnLst>
+                                </p:cTn>
+                              </p:par>
+                              <p:par>
+                                <p:cTn id="27" presetID="42" presetClass="entr" presetSubtype="0" fill="hold" grpId="0" nodeType="withEffect">
+                                  <p:stCondLst>
+                                    <p:cond delay="0"/>
+                                  </p:stCondLst>
+                                  <p:childTnLst>
+                                    <p:set>
+                                      <p:cBhvr>
+                                        <p:cTn id="28" dur="1" fill="hold">
+                                          <p:stCondLst>
+                                            <p:cond delay="0"/>
+                                          </p:stCondLst>
+                                        </p:cTn>
+                                        <p:tgtEl>
+                                          <p:spTgt spid="3">
+                                            <p:txEl>
+                                              <p:pRg st="4" end="4"/>
+                                            </p:txEl>
+                                          </p:spTgt>
+                                        </p:tgtEl>
+                                        <p:attrNameLst>
+                                          <p:attrName>style.visibility</p:attrName>
+                                        </p:attrNameLst>
+                                      </p:cBhvr>
+                                      <p:to>
+                                        <p:strVal val="visible"/>
+                                      </p:to>
+                                    </p:set>
+                                    <p:animEffect transition="in" filter="fade">
+                                      <p:cBhvr>
+                                        <p:cTn id="29" dur="1000"/>
+                                        <p:tgtEl>
+                                          <p:spTgt spid="3">
+                                            <p:txEl>
+                                              <p:pRg st="4" end="4"/>
+                                            </p:txEl>
+                                          </p:spTgt>
+                                        </p:tgtEl>
+                                      </p:cBhvr>
+                                    </p:animEffect>
+                                    <p:anim calcmode="lin" valueType="num">
+                                      <p:cBhvr>
+                                        <p:cTn id="30" dur="1000" fill="hold"/>
+                                        <p:tgtEl>
+                                          <p:spTgt spid="3">
+                                            <p:txEl>
+                                              <p:pRg st="4" end="4"/>
+                                            </p:txEl>
+                                          </p:spTgt>
+                                        </p:tgtEl>
+                                        <p:attrNameLst>
+                                          <p:attrName>ppt_x</p:attrName>
+                                        </p:attrNameLst>
+                                      </p:cBhvr>
+                                      <p:tavLst>
+                                        <p:tav tm="0">
+                                          <p:val>
+                                            <p:strVal val="#ppt_x"/>
+                                          </p:val>
+                                        </p:tav>
+                                        <p:tav tm="100000">
+                                          <p:val>
+                                            <p:strVal val="#ppt_x"/>
+                                          </p:val>
+                                        </p:tav>
+                                      </p:tavLst>
+                                    </p:anim>
+                                    <p:anim calcmode="lin" valueType="num">
+                                      <p:cBhvr>
+                                        <p:cTn id="31" dur="1000" fill="hold"/>
+                                        <p:tgtEl>
+                                          <p:spTgt spid="3">
+                                            <p:txEl>
+                                              <p:pRg st="4" end="4"/>
                                             </p:txEl>
                                           </p:spTgt>
                                         </p:tgtEl>
@@ -5374,26 +6515,26 @@
                     </p:cTn>
                   </p:par>
                   <p:par>
-                    <p:cTn id="24" fill="hold">
+                    <p:cTn id="32" fill="hold">
                       <p:stCondLst>
                         <p:cond delay="indefinite"/>
                       </p:stCondLst>
                       <p:childTnLst>
                         <p:par>
-                          <p:cTn id="25" fill="hold">
+                          <p:cTn id="33" fill="hold">
                             <p:stCondLst>
                               <p:cond delay="0"/>
                             </p:stCondLst>
                             <p:childTnLst>
                               <p:par>
-                                <p:cTn id="26" presetID="42" presetClass="entr" presetSubtype="0" fill="hold" grpId="0" nodeType="clickEffect">
+                                <p:cTn id="34" presetID="42" presetClass="entr" presetSubtype="0" fill="hold" grpId="0" nodeType="clickEffect">
                                   <p:stCondLst>
                                     <p:cond delay="0"/>
                                   </p:stCondLst>
                                   <p:childTnLst>
                                     <p:set>
                                       <p:cBhvr>
-                                        <p:cTn id="27" dur="1" fill="hold">
+                                        <p:cTn id="35" dur="1" fill="hold">
                                           <p:stCondLst>
                                             <p:cond delay="0"/>
                                           </p:stCondLst>
@@ -5401,7 +6542,7 @@
                                         <p:tgtEl>
                                           <p:spTgt spid="3">
                                             <p:txEl>
-                                              <p:pRg st="3" end="3"/>
+                                              <p:pRg st="5" end="5"/>
                                             </p:txEl>
                                           </p:spTgt>
                                         </p:tgtEl>
@@ -5415,11 +6556,11 @@
                                     </p:set>
                                     <p:animEffect transition="in" filter="fade">
                                       <p:cBhvr>
-                                        <p:cTn id="28" dur="1000"/>
+                                        <p:cTn id="36" dur="1000"/>
                                         <p:tgtEl>
                                           <p:spTgt spid="3">
                                             <p:txEl>
-                                              <p:pRg st="3" end="3"/>
+                                              <p:pRg st="5" end="5"/>
                                             </p:txEl>
                                           </p:spTgt>
                                         </p:tgtEl>
@@ -5427,11 +6568,11 @@
                                     </p:animEffect>
                                     <p:anim calcmode="lin" valueType="num">
                                       <p:cBhvr>
-                                        <p:cTn id="29" dur="1000" fill="hold"/>
+                                        <p:cTn id="37" dur="1000" fill="hold"/>
                                         <p:tgtEl>
                                           <p:spTgt spid="3">
                                             <p:txEl>
-                                              <p:pRg st="3" end="3"/>
+                                              <p:pRg st="5" end="5"/>
                                             </p:txEl>
                                           </p:spTgt>
                                         </p:tgtEl>
@@ -5454,11 +6595,11 @@
                                     </p:anim>
                                     <p:anim calcmode="lin" valueType="num">
                                       <p:cBhvr>
-                                        <p:cTn id="30" dur="1000" fill="hold"/>
+                                        <p:cTn id="38" dur="1000" fill="hold"/>
                                         <p:tgtEl>
                                           <p:spTgt spid="3">
                                             <p:txEl>
-                                              <p:pRg st="3" end="3"/>
+                                              <p:pRg st="5" end="5"/>
                                             </p:txEl>
                                           </p:spTgt>
                                         </p:tgtEl>
@@ -5489,26 +6630,26 @@
                     </p:cTn>
                   </p:par>
                   <p:par>
-                    <p:cTn id="31" fill="hold">
+                    <p:cTn id="39" fill="hold">
                       <p:stCondLst>
                         <p:cond delay="indefinite"/>
                       </p:stCondLst>
                       <p:childTnLst>
                         <p:par>
-                          <p:cTn id="32" fill="hold">
+                          <p:cTn id="40" fill="hold">
                             <p:stCondLst>
                               <p:cond delay="0"/>
                             </p:stCondLst>
                             <p:childTnLst>
                               <p:par>
-                                <p:cTn id="33" presetID="42" presetClass="entr" presetSubtype="0" fill="hold" grpId="0" nodeType="clickEffect">
+                                <p:cTn id="41" presetID="42" presetClass="entr" presetSubtype="0" fill="hold" grpId="0" nodeType="clickEffect">
                                   <p:stCondLst>
                                     <p:cond delay="0"/>
                                   </p:stCondLst>
                                   <p:childTnLst>
                                     <p:set>
                                       <p:cBhvr>
-                                        <p:cTn id="34" dur="1" fill="hold">
+                                        <p:cTn id="42" dur="1" fill="hold">
                                           <p:stCondLst>
                                             <p:cond delay="0"/>
                                           </p:stCondLst>
@@ -5516,7 +6657,7 @@
                                         <p:tgtEl>
                                           <p:spTgt spid="3">
                                             <p:txEl>
-                                              <p:pRg st="4" end="4"/>
+                                              <p:pRg st="6" end="6"/>
                                             </p:txEl>
                                           </p:spTgt>
                                         </p:tgtEl>
@@ -5530,11 +6671,11 @@
                                     </p:set>
                                     <p:animEffect transition="in" filter="fade">
                                       <p:cBhvr>
-                                        <p:cTn id="35" dur="1000"/>
+                                        <p:cTn id="43" dur="1000"/>
                                         <p:tgtEl>
                                           <p:spTgt spid="3">
                                             <p:txEl>
-                                              <p:pRg st="4" end="4"/>
+                                              <p:pRg st="6" end="6"/>
                                             </p:txEl>
                                           </p:spTgt>
                                         </p:tgtEl>
@@ -5542,11 +6683,11 @@
                                     </p:animEffect>
                                     <p:anim calcmode="lin" valueType="num">
                                       <p:cBhvr>
-                                        <p:cTn id="36" dur="1000" fill="hold"/>
+                                        <p:cTn id="44" dur="1000" fill="hold"/>
                                         <p:tgtEl>
                                           <p:spTgt spid="3">
                                             <p:txEl>
-                                              <p:pRg st="4" end="4"/>
+                                              <p:pRg st="6" end="6"/>
                                             </p:txEl>
                                           </p:spTgt>
                                         </p:tgtEl>
@@ -5569,13 +6710,112 @@
                                     </p:anim>
                                     <p:anim calcmode="lin" valueType="num">
                                       <p:cBhvr>
-                                        <p:cTn id="37" dur="1000" fill="hold"/>
+                                        <p:cTn id="45" dur="1000" fill="hold"/>
                                         <p:tgtEl>
                                           <p:spTgt spid="3">
                                             <p:txEl>
-                                              <p:pRg st="4" end="4"/>
+                                              <p:pRg st="6" end="6"/>
                                             </p:txEl>
                                           </p:spTgt>
+                                        </p:tgtEl>
+                                        <p:attrNameLst>
+                                          <p:attrName>ppt_y</p:attrName>
+                                        </p:attrNameLst>
+                                      </p:cBhvr>
+                                      <p:tavLst>
+                                        <p:tav tm="0">
+                                          <p:val>
+                                            <p:strVal val="#ppt_y+.1"/>
+                                          </p:val>
+                                        </p:tav>
+                                        <p:tav tm="100000">
+                                          <p:val>
+                                            <p:strVal val="#ppt_y"/>
+                                          </p:val>
+                                        </p:tav>
+                                      </p:tavLst>
+                                    </p:anim>
+                                  </p:childTnLst>
+                                </p:cTn>
+                              </p:par>
+                            </p:childTnLst>
+                          </p:cTn>
+                        </p:par>
+                      </p:childTnLst>
+                    </p:cTn>
+                  </p:par>
+                  <p:par>
+                    <p:cTn id="46" fill="hold">
+                      <p:stCondLst>
+                        <p:cond delay="indefinite"/>
+                      </p:stCondLst>
+                      <p:childTnLst>
+                        <p:par>
+                          <p:cTn id="47" fill="hold">
+                            <p:stCondLst>
+                              <p:cond delay="0"/>
+                            </p:stCondLst>
+                            <p:childTnLst>
+                              <p:par>
+                                <p:cTn id="48" presetID="42" presetClass="entr" presetSubtype="0" fill="hold" nodeType="clickEffect">
+                                  <p:stCondLst>
+                                    <p:cond delay="0"/>
+                                  </p:stCondLst>
+                                  <p:childTnLst>
+                                    <p:set>
+                                      <p:cBhvr>
+                                        <p:cTn id="49" dur="1" fill="hold">
+                                          <p:stCondLst>
+                                            <p:cond delay="0"/>
+                                          </p:stCondLst>
+                                        </p:cTn>
+                                        <p:tgtEl>
+                                          <p:spTgt spid="5"/>
+                                        </p:tgtEl>
+                                        <p:attrNameLst>
+                                          <p:attrName>style.visibility</p:attrName>
+                                        </p:attrNameLst>
+                                      </p:cBhvr>
+                                      <p:to>
+                                        <p:strVal val="visible"/>
+                                      </p:to>
+                                    </p:set>
+                                    <p:animEffect transition="in" filter="fade">
+                                      <p:cBhvr>
+                                        <p:cTn id="50" dur="1000"/>
+                                        <p:tgtEl>
+                                          <p:spTgt spid="5"/>
+                                        </p:tgtEl>
+                                      </p:cBhvr>
+                                    </p:animEffect>
+                                    <p:anim calcmode="lin" valueType="num">
+                                      <p:cBhvr>
+                                        <p:cTn id="51" dur="1000" fill="hold"/>
+                                        <p:tgtEl>
+                                          <p:spTgt spid="5"/>
+                                        </p:tgtEl>
+                                        <p:attrNameLst>
+                                          <p:attrName>ppt_x</p:attrName>
+                                        </p:attrNameLst>
+                                      </p:cBhvr>
+                                      <p:tavLst>
+                                        <p:tav tm="0">
+                                          <p:val>
+                                            <p:strVal val="#ppt_x"/>
+                                          </p:val>
+                                        </p:tav>
+                                        <p:tav tm="100000">
+                                          <p:val>
+                                            <p:strVal val="#ppt_x"/>
+                                          </p:val>
+                                        </p:tav>
+                                      </p:tavLst>
+                                    </p:anim>
+                                    <p:anim calcmode="lin" valueType="num">
+                                      <p:cBhvr>
+                                        <p:cTn id="52" dur="1000" fill="hold"/>
+                                        <p:tgtEl>
+                                          <p:spTgt spid="5"/>
                                         </p:tgtEl>
                                         <p:attrNameLst>
                                           <p:attrName>ppt_y</p:attrName>
@@ -5631,282 +6871,6 @@
 </p:sld>
 </file>
 
-<file path=ppt/slides/slide11.xml><?xml version="1.0" encoding="utf-8"?>
-<p:sld xmlns:a="http://schemas.openxmlformats.org/drawingml/2006/main" xmlns:r="http://schemas.openxmlformats.org/officeDocument/2006/relationships" xmlns:p="http://schemas.openxmlformats.org/presentationml/2006/main">
-  <p:cSld>
-    <p:spTree>
-      <p:nvGrpSpPr>
-        <p:cNvPr id="1" name=""/>
-        <p:cNvGrpSpPr/>
-        <p:nvPr/>
-      </p:nvGrpSpPr>
-      <p:grpSpPr>
-        <a:xfrm>
-          <a:off x="0" y="0"/>
-          <a:ext cx="0" cy="0"/>
-          <a:chOff x="0" y="0"/>
-          <a:chExt cx="0" cy="0"/>
-        </a:xfrm>
-      </p:grpSpPr>
-      <p:sp>
-        <p:nvSpPr>
-          <p:cNvPr id="2" name="Title 1">
-            <a:extLst>
-              <a:ext uri="{FF2B5EF4-FFF2-40B4-BE49-F238E27FC236}">
-                <a16:creationId xmlns:a16="http://schemas.microsoft.com/office/drawing/2014/main" id="{C2DBCEC6-88DC-42AF-BE42-9F757B43C7B2}"/>
-              </a:ext>
-            </a:extLst>
-          </p:cNvPr>
-          <p:cNvSpPr>
-            <a:spLocks noGrp="1"/>
-          </p:cNvSpPr>
-          <p:nvPr>
-            <p:ph type="title"/>
-          </p:nvPr>
-        </p:nvSpPr>
-        <p:spPr/>
-        <p:txBody>
-          <a:bodyPr/>
-          <a:lstStyle/>
-          <a:p>
-            <a:r>
-              <a:rPr lang="en-US" dirty="0"/>
-              <a:t>Z Garbage Collector (ZGC)</a:t>
-            </a:r>
-            <a:endParaRPr lang="en-IN" dirty="0"/>
-          </a:p>
-        </p:txBody>
-      </p:sp>
-      <p:sp>
-        <p:nvSpPr>
-          <p:cNvPr id="3" name="Content Placeholder 2">
-            <a:extLst>
-              <a:ext uri="{FF2B5EF4-FFF2-40B4-BE49-F238E27FC236}">
-                <a16:creationId xmlns:a16="http://schemas.microsoft.com/office/drawing/2014/main" id="{40D8D670-AD38-4B6A-B421-B9E543A8278E}"/>
-              </a:ext>
-            </a:extLst>
-          </p:cNvPr>
-          <p:cNvSpPr>
-            <a:spLocks noGrp="1"/>
-          </p:cNvSpPr>
-          <p:nvPr>
-            <p:ph idx="1"/>
-          </p:nvPr>
-        </p:nvSpPr>
-        <p:spPr/>
-        <p:txBody>
-          <a:bodyPr/>
-          <a:lstStyle/>
-          <a:p>
-            <a:r>
-              <a:rPr lang="en-US" dirty="0"/>
-              <a:t>It’s supposed to return unused memory to the OS</a:t>
-            </a:r>
-          </a:p>
-          <a:p>
-            <a:r>
-              <a:rPr lang="en-US" dirty="0"/>
-              <a:t>But currently it’s not returning the unused memory to OS even if the memory has not been used in a long time.</a:t>
-            </a:r>
-          </a:p>
-          <a:p>
-            <a:r>
-              <a:rPr lang="en-US" dirty="0"/>
-              <a:t>It’s problematic for applications which needs more memory. </a:t>
-            </a:r>
-          </a:p>
-        </p:txBody>
-      </p:sp>
-    </p:spTree>
-    <p:extLst>
-      <p:ext uri="{BB962C8B-B14F-4D97-AF65-F5344CB8AC3E}">
-        <p14:creationId xmlns:p14="http://schemas.microsoft.com/office/powerpoint/2010/main" val="441437963"/>
-      </p:ext>
-    </p:extLst>
-  </p:cSld>
-  <p:clrMapOvr>
-    <a:masterClrMapping/>
-  </p:clrMapOvr>
-</p:sld>
-</file>
-
-<file path=ppt/slides/slide12.xml><?xml version="1.0" encoding="utf-8"?>
-<p:sld xmlns:a="http://schemas.openxmlformats.org/drawingml/2006/main" xmlns:r="http://schemas.openxmlformats.org/officeDocument/2006/relationships" xmlns:p="http://schemas.openxmlformats.org/presentationml/2006/main">
-  <p:cSld>
-    <p:spTree>
-      <p:nvGrpSpPr>
-        <p:cNvPr id="1" name=""/>
-        <p:cNvGrpSpPr/>
-        <p:nvPr/>
-      </p:nvGrpSpPr>
-      <p:grpSpPr>
-        <a:xfrm>
-          <a:off x="0" y="0"/>
-          <a:ext cx="0" cy="0"/>
-          <a:chOff x="0" y="0"/>
-          <a:chExt cx="0" cy="0"/>
-        </a:xfrm>
-      </p:grpSpPr>
-      <p:sp>
-        <p:nvSpPr>
-          <p:cNvPr id="2" name="Title 1">
-            <a:extLst>
-              <a:ext uri="{FF2B5EF4-FFF2-40B4-BE49-F238E27FC236}">
-                <a16:creationId xmlns:a16="http://schemas.microsoft.com/office/drawing/2014/main" id="{4E6CE275-A835-4344-B09F-D8BE53915415}"/>
-              </a:ext>
-            </a:extLst>
-          </p:cNvPr>
-          <p:cNvSpPr>
-            <a:spLocks noGrp="1"/>
-          </p:cNvSpPr>
-          <p:nvPr>
-            <p:ph type="title"/>
-          </p:nvPr>
-        </p:nvSpPr>
-        <p:spPr/>
-        <p:txBody>
-          <a:bodyPr/>
-          <a:lstStyle/>
-          <a:p>
-            <a:r>
-              <a:rPr lang="en-IN" dirty="0"/>
-              <a:t>AppCDS</a:t>
-            </a:r>
-          </a:p>
-        </p:txBody>
-      </p:sp>
-      <p:sp>
-        <p:nvSpPr>
-          <p:cNvPr id="3" name="Content Placeholder 2">
-            <a:extLst>
-              <a:ext uri="{FF2B5EF4-FFF2-40B4-BE49-F238E27FC236}">
-                <a16:creationId xmlns:a16="http://schemas.microsoft.com/office/drawing/2014/main" id="{454A1754-B8B8-4EDA-8CC3-8B7250A02E9F}"/>
-              </a:ext>
-            </a:extLst>
-          </p:cNvPr>
-          <p:cNvSpPr>
-            <a:spLocks noGrp="1"/>
-          </p:cNvSpPr>
-          <p:nvPr>
-            <p:ph idx="1"/>
-          </p:nvPr>
-        </p:nvSpPr>
-        <p:spPr/>
-        <p:txBody>
-          <a:bodyPr/>
-          <a:lstStyle/>
-          <a:p>
-            <a:r>
-              <a:rPr lang="en-US" dirty="0"/>
-              <a:t>Application class-data sharing which enables dynamic archiving of classes at the end of application execution.</a:t>
-            </a:r>
-          </a:p>
-          <a:p>
-            <a:r>
-              <a:rPr lang="en-US" dirty="0"/>
-              <a:t>The archived classes would include all loaded application and library classes not present in the default, base-layer CDS archive.</a:t>
-            </a:r>
-            <a:endParaRPr lang="en-IN" dirty="0"/>
-          </a:p>
-        </p:txBody>
-      </p:sp>
-    </p:spTree>
-    <p:extLst>
-      <p:ext uri="{BB962C8B-B14F-4D97-AF65-F5344CB8AC3E}">
-        <p14:creationId xmlns:p14="http://schemas.microsoft.com/office/powerpoint/2010/main" val="539674426"/>
-      </p:ext>
-    </p:extLst>
-  </p:cSld>
-  <p:clrMapOvr>
-    <a:masterClrMapping/>
-  </p:clrMapOvr>
-</p:sld>
-</file>
-
-<file path=ppt/slides/slide13.xml><?xml version="1.0" encoding="utf-8"?>
-<p:sld xmlns:a="http://schemas.openxmlformats.org/drawingml/2006/main" xmlns:r="http://schemas.openxmlformats.org/officeDocument/2006/relationships" xmlns:p="http://schemas.openxmlformats.org/presentationml/2006/main">
-  <p:cSld>
-    <p:spTree>
-      <p:nvGrpSpPr>
-        <p:cNvPr id="1" name=""/>
-        <p:cNvGrpSpPr/>
-        <p:nvPr/>
-      </p:nvGrpSpPr>
-      <p:grpSpPr>
-        <a:xfrm>
-          <a:off x="0" y="0"/>
-          <a:ext cx="0" cy="0"/>
-          <a:chOff x="0" y="0"/>
-          <a:chExt cx="0" cy="0"/>
-        </a:xfrm>
-      </p:grpSpPr>
-      <p:sp>
-        <p:nvSpPr>
-          <p:cNvPr id="2" name="Title 1">
-            <a:extLst>
-              <a:ext uri="{FF2B5EF4-FFF2-40B4-BE49-F238E27FC236}">
-                <a16:creationId xmlns:a16="http://schemas.microsoft.com/office/drawing/2014/main" id="{168AD9B5-4C77-4548-B068-251414F78763}"/>
-              </a:ext>
-            </a:extLst>
-          </p:cNvPr>
-          <p:cNvSpPr>
-            <a:spLocks noGrp="1"/>
-          </p:cNvSpPr>
-          <p:nvPr>
-            <p:ph type="title"/>
-          </p:nvPr>
-        </p:nvSpPr>
-        <p:spPr/>
-        <p:txBody>
-          <a:bodyPr/>
-          <a:lstStyle/>
-          <a:p>
-            <a:r>
-              <a:rPr lang="en-US" dirty="0"/>
-              <a:t>Socket API</a:t>
-            </a:r>
-            <a:endParaRPr lang="en-IN" dirty="0"/>
-          </a:p>
-        </p:txBody>
-      </p:sp>
-      <p:sp>
-        <p:nvSpPr>
-          <p:cNvPr id="3" name="Content Placeholder 2">
-            <a:extLst>
-              <a:ext uri="{FF2B5EF4-FFF2-40B4-BE49-F238E27FC236}">
-                <a16:creationId xmlns:a16="http://schemas.microsoft.com/office/drawing/2014/main" id="{49AAE340-BE9C-47CF-9439-2A0D2E52B719}"/>
-              </a:ext>
-            </a:extLst>
-          </p:cNvPr>
-          <p:cNvSpPr>
-            <a:spLocks noGrp="1"/>
-          </p:cNvSpPr>
-          <p:nvPr>
-            <p:ph idx="1"/>
-          </p:nvPr>
-        </p:nvSpPr>
-        <p:spPr/>
-        <p:txBody>
-          <a:bodyPr/>
-          <a:lstStyle/>
-          <a:p>
-            <a:endParaRPr lang="en-IN"/>
-          </a:p>
-        </p:txBody>
-      </p:sp>
-    </p:spTree>
-    <p:extLst>
-      <p:ext uri="{BB962C8B-B14F-4D97-AF65-F5344CB8AC3E}">
-        <p14:creationId xmlns:p14="http://schemas.microsoft.com/office/powerpoint/2010/main" val="1782118356"/>
-      </p:ext>
-    </p:extLst>
-  </p:cSld>
-  <p:clrMapOvr>
-    <a:masterClrMapping/>
-  </p:clrMapOvr>
-</p:sld>
-</file>
-
 <file path=ppt/slides/slide14.xml><?xml version="1.0" encoding="utf-8"?>
 <p:sld xmlns:a="http://schemas.openxmlformats.org/drawingml/2006/main" xmlns:r="http://schemas.openxmlformats.org/officeDocument/2006/relationships" xmlns:p="http://schemas.openxmlformats.org/presentationml/2006/main">
   <p:cSld>
@@ -5924,12 +6888,87 @@
           <a:chExt cx="0" cy="0"/>
         </a:xfrm>
       </p:grpSpPr>
+      <p:pic>
+        <p:nvPicPr>
+          <p:cNvPr id="12" name="Picture 3">
+            <a:extLst>
+              <a:ext uri="{FF2B5EF4-FFF2-40B4-BE49-F238E27FC236}">
+                <a16:creationId xmlns:a16="http://schemas.microsoft.com/office/drawing/2014/main" id="{9AF3BDB7-672B-4684-9458-B152CA6715AC}"/>
+              </a:ext>
+            </a:extLst>
+          </p:cNvPr>
+          <p:cNvPicPr>
+            <a:picLocks noChangeAspect="1"/>
+          </p:cNvPicPr>
+          <p:nvPr/>
+        </p:nvPicPr>
+        <p:blipFill rotWithShape="1">
+          <a:blip r:embed="rId2"/>
+          <a:srcRect t="44494" b="10506"/>
+          <a:stretch/>
+        </p:blipFill>
+        <p:spPr>
+          <a:xfrm>
+            <a:off x="20" y="-839"/>
+            <a:ext cx="12191980" cy="6858000"/>
+          </a:xfrm>
+          <a:prstGeom prst="rect">
+            <a:avLst/>
+          </a:prstGeom>
+        </p:spPr>
+      </p:pic>
+      <p:sp>
+        <p:nvSpPr>
+          <p:cNvPr id="4" name="Rectangle 3">
+            <a:extLst>
+              <a:ext uri="{FF2B5EF4-FFF2-40B4-BE49-F238E27FC236}">
+                <a16:creationId xmlns:a16="http://schemas.microsoft.com/office/drawing/2014/main" id="{00C37E2D-A4AE-4E2F-BF54-E3CECA878DC7}"/>
+              </a:ext>
+            </a:extLst>
+          </p:cNvPr>
+          <p:cNvSpPr/>
+          <p:nvPr/>
+        </p:nvSpPr>
+        <p:spPr>
+          <a:xfrm>
+            <a:off x="1181100" y="552450"/>
+            <a:ext cx="10096500" cy="5657850"/>
+          </a:xfrm>
+          <a:prstGeom prst="rect">
+            <a:avLst/>
+          </a:prstGeom>
+        </p:spPr>
+        <p:style>
+          <a:lnRef idx="2">
+            <a:schemeClr val="accent1">
+              <a:shade val="50000"/>
+            </a:schemeClr>
+          </a:lnRef>
+          <a:fillRef idx="1">
+            <a:schemeClr val="accent1"/>
+          </a:fillRef>
+          <a:effectRef idx="0">
+            <a:schemeClr val="accent1"/>
+          </a:effectRef>
+          <a:fontRef idx="minor">
+            <a:schemeClr val="lt1"/>
+          </a:fontRef>
+        </p:style>
+        <p:txBody>
+          <a:bodyPr rtlCol="0" anchor="ctr"/>
+          <a:lstStyle/>
+          <a:p>
+            <a:pPr algn="ctr"/>
+            <a:endParaRPr lang="en-IN" dirty="0"/>
+          </a:p>
+        </p:txBody>
+      </p:sp>
       <p:sp>
         <p:nvSpPr>
           <p:cNvPr id="2" name="Title 1">
             <a:extLst>
               <a:ext uri="{FF2B5EF4-FFF2-40B4-BE49-F238E27FC236}">
-                <a16:creationId xmlns:a16="http://schemas.microsoft.com/office/drawing/2014/main" id="{C745BDC9-443B-4F5D-BC09-6FF08A23E873}"/>
+                <a16:creationId xmlns:a16="http://schemas.microsoft.com/office/drawing/2014/main" id="{FC8EE616-2EA4-4DA2-BDF2-AD0B93DE2F0B}"/>
               </a:ext>
             </a:extLst>
           </p:cNvPr>
@@ -5937,6 +6976,235 @@
             <a:spLocks noGrp="1"/>
           </p:cNvSpPr>
           <p:nvPr>
+            <p:ph type="ctrTitle"/>
+          </p:nvPr>
+        </p:nvSpPr>
+        <p:spPr>
+          <a:xfrm>
+            <a:off x="1847848" y="647700"/>
+            <a:ext cx="8763001" cy="5095875"/>
+          </a:xfrm>
+          <a:solidFill>
+            <a:schemeClr val="accent1">
+              <a:lumMod val="20000"/>
+              <a:lumOff val="80000"/>
+            </a:schemeClr>
+          </a:solidFill>
+        </p:spPr>
+        <p:txBody>
+          <a:bodyPr>
+            <a:normAutofit/>
+          </a:bodyPr>
+          <a:lstStyle/>
+          <a:p>
+            <a:r>
+              <a:rPr lang="en-IN" sz="13800" dirty="0">
+                <a:solidFill>
+                  <a:srgbClr val="00B050"/>
+                </a:solidFill>
+                <a:latin typeface="Algerian" panose="04020705040A02060702" pitchFamily="82" charset="0"/>
+              </a:rPr>
+              <a:t>Jdk-13</a:t>
+            </a:r>
+            <a:br>
+              <a:rPr lang="en-IN" dirty="0">
+                <a:latin typeface="Algerian" panose="04020705040A02060702" pitchFamily="82" charset="0"/>
+              </a:rPr>
+            </a:br>
+            <a:r>
+              <a:rPr lang="en-US" sz="5400" dirty="0">
+                <a:solidFill>
+                  <a:srgbClr val="0070C0"/>
+                </a:solidFill>
+                <a:latin typeface="Algerian" panose="04020705040A02060702" pitchFamily="82" charset="0"/>
+              </a:rPr>
+              <a:t>JDK13 support in </a:t>
+            </a:r>
+            <a:br>
+              <a:rPr lang="en-US" sz="5400" dirty="0">
+                <a:solidFill>
+                  <a:srgbClr val="0070C0"/>
+                </a:solidFill>
+                <a:latin typeface="Algerian" panose="04020705040A02060702" pitchFamily="82" charset="0"/>
+              </a:rPr>
+            </a:br>
+            <a:r>
+              <a:rPr lang="en-US" sz="5400" dirty="0">
+                <a:solidFill>
+                  <a:srgbClr val="FF0000"/>
+                </a:solidFill>
+                <a:latin typeface="Algerian" panose="04020705040A02060702" pitchFamily="82" charset="0"/>
+              </a:rPr>
+              <a:t>IntelliJ Idea</a:t>
+            </a:r>
+            <a:br>
+              <a:rPr lang="en-US" sz="4400" dirty="0">
+                <a:solidFill>
+                  <a:srgbClr val="0070C0"/>
+                </a:solidFill>
+                <a:latin typeface="Algerian" panose="04020705040A02060702" pitchFamily="82" charset="0"/>
+              </a:rPr>
+            </a:br>
+            <a:endParaRPr lang="en-IN" sz="4400" dirty="0">
+              <a:solidFill>
+                <a:schemeClr val="tx1"/>
+              </a:solidFill>
+              <a:latin typeface="Algerian" panose="04020705040A02060702" pitchFamily="82" charset="0"/>
+            </a:endParaRPr>
+          </a:p>
+        </p:txBody>
+      </p:sp>
+      <p:sp>
+        <p:nvSpPr>
+          <p:cNvPr id="3" name="Subtitle 2">
+            <a:extLst>
+              <a:ext uri="{FF2B5EF4-FFF2-40B4-BE49-F238E27FC236}">
+                <a16:creationId xmlns:a16="http://schemas.microsoft.com/office/drawing/2014/main" id="{B69867BB-42C1-4920-A8A5-379C0AFBC9FE}"/>
+              </a:ext>
+            </a:extLst>
+          </p:cNvPr>
+          <p:cNvSpPr>
+            <a:spLocks noGrp="1"/>
+          </p:cNvSpPr>
+          <p:nvPr>
+            <p:ph type="subTitle" idx="1"/>
+          </p:nvPr>
+        </p:nvSpPr>
+        <p:spPr>
+          <a:xfrm>
+            <a:off x="4271962" y="5826374"/>
+            <a:ext cx="3724795" cy="383926"/>
+          </a:xfrm>
+          <a:solidFill>
+            <a:srgbClr val="00B050"/>
+          </a:solidFill>
+        </p:spPr>
+        <p:txBody>
+          <a:bodyPr>
+            <a:normAutofit/>
+          </a:bodyPr>
+          <a:lstStyle/>
+          <a:p>
+            <a:r>
+              <a:rPr lang="en-IN" b="1" dirty="0"/>
+              <a:t>-- #</a:t>
+            </a:r>
+            <a:r>
+              <a:rPr lang="en-IN" b="1" dirty="0" err="1"/>
+              <a:t>greenlearner</a:t>
+            </a:r>
+            <a:r>
+              <a:rPr lang="en-IN" b="1" dirty="0"/>
+              <a:t> --</a:t>
+            </a:r>
+          </a:p>
+        </p:txBody>
+      </p:sp>
+      <p:sp>
+        <p:nvSpPr>
+          <p:cNvPr id="5" name="Wave 4">
+            <a:extLst>
+              <a:ext uri="{FF2B5EF4-FFF2-40B4-BE49-F238E27FC236}">
+                <a16:creationId xmlns:a16="http://schemas.microsoft.com/office/drawing/2014/main" id="{99A15CA1-ECF5-48C5-98A1-FE1625AAC8B1}"/>
+              </a:ext>
+            </a:extLst>
+          </p:cNvPr>
+          <p:cNvSpPr/>
+          <p:nvPr/>
+        </p:nvSpPr>
+        <p:spPr>
+          <a:xfrm>
+            <a:off x="0" y="-839"/>
+            <a:ext cx="723899" cy="381000"/>
+          </a:xfrm>
+          <a:prstGeom prst="wave">
+            <a:avLst/>
+          </a:prstGeom>
+          <a:solidFill>
+            <a:srgbClr val="FFFF00"/>
+          </a:solidFill>
+          <a:ln>
+            <a:solidFill>
+              <a:srgbClr val="00B050"/>
+            </a:solidFill>
+          </a:ln>
+        </p:spPr>
+        <p:style>
+          <a:lnRef idx="2">
+            <a:schemeClr val="accent1">
+              <a:shade val="50000"/>
+            </a:schemeClr>
+          </a:lnRef>
+          <a:fillRef idx="1">
+            <a:schemeClr val="accent1"/>
+          </a:fillRef>
+          <a:effectRef idx="0">
+            <a:schemeClr val="accent1"/>
+          </a:effectRef>
+          <a:fontRef idx="minor">
+            <a:schemeClr val="lt1"/>
+          </a:fontRef>
+        </p:style>
+        <p:txBody>
+          <a:bodyPr rtlCol="0" anchor="ctr"/>
+          <a:lstStyle/>
+          <a:p>
+            <a:pPr algn="ctr"/>
+            <a:r>
+              <a:rPr lang="en-IN" b="1" dirty="0">
+                <a:solidFill>
+                  <a:srgbClr val="00B050"/>
+                </a:solidFill>
+                <a:latin typeface="Bahnschrift Condensed" panose="020B0502040204020203" pitchFamily="34" charset="0"/>
+              </a:rPr>
+              <a:t>Arvind</a:t>
+            </a:r>
+          </a:p>
+        </p:txBody>
+      </p:sp>
+    </p:spTree>
+    <p:extLst>
+      <p:ext uri="{BB962C8B-B14F-4D97-AF65-F5344CB8AC3E}">
+        <p14:creationId xmlns:p14="http://schemas.microsoft.com/office/powerpoint/2010/main" val="2464820952"/>
+      </p:ext>
+    </p:extLst>
+  </p:cSld>
+  <p:clrMapOvr>
+    <a:masterClrMapping/>
+  </p:clrMapOvr>
+</p:sld>
+</file>
+
+<file path=ppt/slides/slide15.xml><?xml version="1.0" encoding="utf-8"?>
+<p:sld xmlns:a="http://schemas.openxmlformats.org/drawingml/2006/main" xmlns:r="http://schemas.openxmlformats.org/officeDocument/2006/relationships" xmlns:p="http://schemas.openxmlformats.org/presentationml/2006/main">
+  <p:cSld>
+    <p:spTree>
+      <p:nvGrpSpPr>
+        <p:cNvPr id="1" name=""/>
+        <p:cNvGrpSpPr/>
+        <p:nvPr/>
+      </p:nvGrpSpPr>
+      <p:grpSpPr>
+        <a:xfrm>
+          <a:off x="0" y="0"/>
+          <a:ext cx="0" cy="0"/>
+          <a:chOff x="0" y="0"/>
+          <a:chExt cx="0" cy="0"/>
+        </a:xfrm>
+      </p:grpSpPr>
+      <p:sp>
+        <p:nvSpPr>
+          <p:cNvPr id="2" name="Title 1">
+            <a:extLst>
+              <a:ext uri="{FF2B5EF4-FFF2-40B4-BE49-F238E27FC236}">
+                <a16:creationId xmlns:a16="http://schemas.microsoft.com/office/drawing/2014/main" id="{ABE8309A-FAE0-49E3-9531-32D0734D32E8}"/>
+              </a:ext>
+            </a:extLst>
+          </p:cNvPr>
+          <p:cNvSpPr>
+            <a:spLocks noGrp="1"/>
+          </p:cNvSpPr>
+          <p:nvPr>
             <p:ph type="title"/>
           </p:nvPr>
         </p:nvSpPr>
@@ -5945,11 +7213,7 @@
           <a:bodyPr/>
           <a:lstStyle/>
           <a:p>
-            <a:r>
-              <a:rPr lang="en-US" dirty="0"/>
-              <a:t>Switch expression</a:t>
-            </a:r>
-            <a:endParaRPr lang="en-IN" dirty="0"/>
+            <a:endParaRPr lang="en-IN"/>
           </a:p>
         </p:txBody>
       </p:sp>
@@ -5958,7 +7222,7 @@
           <p:cNvPr id="3" name="Content Placeholder 2">
             <a:extLst>
               <a:ext uri="{FF2B5EF4-FFF2-40B4-BE49-F238E27FC236}">
-                <a16:creationId xmlns:a16="http://schemas.microsoft.com/office/drawing/2014/main" id="{2552FDAE-9297-46D9-A58F-235AEF4D278D}"/>
+                <a16:creationId xmlns:a16="http://schemas.microsoft.com/office/drawing/2014/main" id="{B2E305C2-F06C-41A1-B4AE-AE097F159E4C}"/>
               </a:ext>
             </a:extLst>
           </p:cNvPr>
@@ -5981,7 +7245,7 @@
     </p:spTree>
     <p:extLst>
       <p:ext uri="{BB962C8B-B14F-4D97-AF65-F5344CB8AC3E}">
-        <p14:creationId xmlns:p14="http://schemas.microsoft.com/office/powerpoint/2010/main" val="2156534880"/>
+        <p14:creationId xmlns:p14="http://schemas.microsoft.com/office/powerpoint/2010/main" val="3328482882"/>
       </p:ext>
     </p:extLst>
   </p:cSld>
@@ -8108,4 +9372,47 @@
     </a:ext>
   </a:extLst>
 </a:theme>
+</file>
+
+<file path=ppt/theme/themeOverride1.xml><?xml version="1.0" encoding="utf-8"?>
+<a:themeOverride xmlns:a="http://schemas.openxmlformats.org/drawingml/2006/main">
+  <a:clrScheme name="">
+    <a:dk1>
+      <a:srgbClr val="000000"/>
+    </a:dk1>
+    <a:lt1>
+      <a:srgbClr val="FFFFFF"/>
+    </a:lt1>
+    <a:dk2>
+      <a:srgbClr val="413124"/>
+    </a:dk2>
+    <a:lt2>
+      <a:srgbClr val="E8E5E2"/>
+    </a:lt2>
+    <a:accent1>
+      <a:srgbClr val="80A9AA"/>
+    </a:accent1>
+    <a:accent2>
+      <a:srgbClr val="7EA0BA"/>
+    </a:accent2>
+    <a:accent3>
+      <a:srgbClr val="969DC7"/>
+    </a:accent3>
+    <a:accent4>
+      <a:srgbClr val="BA817E"/>
+    </a:accent4>
+    <a:accent5>
+      <a:srgbClr val="BC9B80"/>
+    </a:accent5>
+    <a:accent6>
+      <a:srgbClr val="A9A273"/>
+    </a:accent6>
+    <a:hlink>
+      <a:srgbClr val="A0795A"/>
+    </a:hlink>
+    <a:folHlink>
+      <a:srgbClr val="7F7F7F"/>
+    </a:folHlink>
+  </a:clrScheme>
+</a:themeOverride>
 </file>